--- a/docs/Presentation.pptx
+++ b/docs/Presentation.pptx
@@ -6,15 +6,14 @@
     <p:sldMasterId id="2147483661" r:id="rId2"/>
   </p:sldMasterIdLst>
   <p:notesMasterIdLst>
-    <p:notesMasterId r:id="rId9"/>
+    <p:notesMasterId r:id="rId8"/>
   </p:notesMasterIdLst>
   <p:sldIdLst>
     <p:sldId id="256" r:id="rId3"/>
-    <p:sldId id="257" r:id="rId4"/>
-    <p:sldId id="302" r:id="rId5"/>
-    <p:sldId id="304" r:id="rId6"/>
-    <p:sldId id="303" r:id="rId7"/>
-    <p:sldId id="305" r:id="rId8"/>
+    <p:sldId id="302" r:id="rId4"/>
+    <p:sldId id="304" r:id="rId5"/>
+    <p:sldId id="303" r:id="rId6"/>
+    <p:sldId id="305" r:id="rId7"/>
   </p:sldIdLst>
   <p:sldSz cx="9144000" cy="6858000" type="screen4x3"/>
   <p:notesSz cx="6858000" cy="9144000"/>
@@ -134,7 +133,7 @@
 
 <file path=ppt/commentAuthors.xml><?xml version="1.0" encoding="utf-8"?>
 <p:cmAuthorLst xmlns:a="http://schemas.openxmlformats.org/drawingml/2006/main" xmlns:r="http://schemas.openxmlformats.org/officeDocument/2006/relationships" xmlns:p="http://schemas.openxmlformats.org/presentationml/2006/main">
-  <p:cmAuthor id="1" name="hk" initials="h" lastIdx="8" clrIdx="0">
+  <p:cmAuthor id="1" name="hk" initials="h" lastIdx="21" clrIdx="0">
     <p:extLst>
       <p:ext uri="{19B8F6BF-5375-455C-9EA6-DF929625EA0E}">
         <p15:presenceInfo xmlns:p15="http://schemas.microsoft.com/office/powerpoint/2012/main" userId="hk" providerId="None"/>
@@ -153,6 +152,143 @@
 
 <file path=ppt/revisionInfo.xml><?xml version="1.0" encoding="utf-8"?>
 <p1510:revInfo xmlns:a="http://schemas.openxmlformats.org/drawingml/2006/main" xmlns:r="http://schemas.openxmlformats.org/officeDocument/2006/relationships" xmlns:p1510="http://schemas.microsoft.com/office/powerpoint/2015/10/main"/>
+</file>
+
+<file path=ppt/comments/comment1.xml><?xml version="1.0" encoding="utf-8"?>
+<p:cmLst xmlns:a="http://schemas.openxmlformats.org/drawingml/2006/main" xmlns:r="http://schemas.openxmlformats.org/officeDocument/2006/relationships" xmlns:p="http://schemas.openxmlformats.org/presentationml/2006/main">
+  <p:cm authorId="1" dt="2018-01-12T10:36:59.932" idx="9">
+    <p:pos x="10" y="10"/>
+    <p:text>Zu Beginn unserer Präsentation wollen wir Euch als erstes eine Frage stellen: "Würdet ihr einem E-Voting System in der Schweiz vertrauen?"</p:text>
+    <p:extLst>
+      <p:ext uri="{C676402C-5697-4E1C-873F-D02D1690AC5C}">
+        <p15:threadingInfo xmlns:p15="http://schemas.microsoft.com/office/powerpoint/2012/main" timeZoneBias="-60"/>
+      </p:ext>
+    </p:extLst>
+  </p:cm>
+  <p:cm authorId="1" dt="2018-01-12T10:39:08.865" idx="10">
+    <p:pos x="146" y="146"/>
+    <p:text>Unser Ziel war, das Vertrauen in ein spezifisches E-Voting Protokoll durch eine Anwendung, welche auf interaktive Art und Weise das Protokoll Schritt für Schritt erklärt</p:text>
+    <p:extLst>
+      <p:ext uri="{C676402C-5697-4E1C-873F-D02D1690AC5C}">
+        <p15:threadingInfo xmlns:p15="http://schemas.microsoft.com/office/powerpoint/2012/main" timeZoneBias="-60"/>
+      </p:ext>
+    </p:extLst>
+  </p:cm>
+</p:cmLst>
+</file>
+
+<file path=ppt/comments/comment2.xml><?xml version="1.0" encoding="utf-8"?>
+<p:cmLst xmlns:a="http://schemas.openxmlformats.org/drawingml/2006/main" xmlns:r="http://schemas.openxmlformats.org/officeDocument/2006/relationships" xmlns:p="http://schemas.openxmlformats.org/presentationml/2006/main">
+  <p:cm authorId="1" dt="2018-01-12T10:50:00.319" idx="11">
+    <p:pos x="10" y="10"/>
+    <p:text>Am Anfang hatten wir das Gefühl, es würde ausreichen, wenn man die Stimme verschlüsselt ...</p:text>
+    <p:extLst>
+      <p:ext uri="{C676402C-5697-4E1C-873F-D02D1690AC5C}">
+        <p15:threadingInfo xmlns:p15="http://schemas.microsoft.com/office/powerpoint/2012/main" timeZoneBias="-60"/>
+      </p:ext>
+    </p:extLst>
+  </p:cm>
+  <p:cm authorId="1" dt="2018-01-12T10:50:36.687" idx="12">
+    <p:pos x="146" y="146"/>
+    <p:text>Die Bundeskanzlei hat einen ganzen Katalog mit Anforderungen definiert, unter anderem dass die Anonymität gewährleistet ist, dass alle Wähler authentisiert und deren Wahlberechtigung geprüft wird, dass das System verifzierbar ist etc.</p:text>
+    <p:extLst>
+      <p:ext uri="{C676402C-5697-4E1C-873F-D02D1690AC5C}">
+        <p15:threadingInfo xmlns:p15="http://schemas.microsoft.com/office/powerpoint/2012/main" timeZoneBias="-60"/>
+      </p:ext>
+    </p:extLst>
+  </p:cm>
+  <p:cm authorId="1" dt="2018-01-12T10:52:29.525" idx="13">
+    <p:pos x="282" y="282"/>
+    <p:text>Bis vor kurzem gab es kein E-Voting Protokoll, welches sämtliche Anforderungen erfüllt hat</p:text>
+    <p:extLst>
+      <p:ext uri="{C676402C-5697-4E1C-873F-D02D1690AC5C}">
+        <p15:threadingInfo xmlns:p15="http://schemas.microsoft.com/office/powerpoint/2012/main" timeZoneBias="-60"/>
+      </p:ext>
+    </p:extLst>
+  </p:cm>
+  <p:cm authorId="1" dt="2018-01-12T10:54:47.887" idx="14">
+    <p:pos x="418" y="418"/>
+    <p:text>In Genf können Auslandschweizer bereits online abstimmen; soll ein System jedoch für mehr als 30% der Einwohner zur Verfügung stehen, so muss es sämtliche dieser Anforderungen erfüllen</p:text>
+    <p:extLst>
+      <p:ext uri="{C676402C-5697-4E1C-873F-D02D1690AC5C}">
+        <p15:threadingInfo xmlns:p15="http://schemas.microsoft.com/office/powerpoint/2012/main" timeZoneBias="-60"/>
+      </p:ext>
+    </p:extLst>
+  </p:cm>
+</p:cmLst>
+</file>
+
+<file path=ppt/comments/comment3.xml><?xml version="1.0" encoding="utf-8"?>
+<p:cmLst xmlns:a="http://schemas.openxmlformats.org/drawingml/2006/main" xmlns:r="http://schemas.openxmlformats.org/officeDocument/2006/relationships" xmlns:p="http://schemas.openxmlformats.org/presentationml/2006/main">
+  <p:cm authorId="1" dt="2018-01-12T11:01:34.183" idx="15">
+    <p:pos x="1258" y="2051"/>
+    <p:text>Im Frühjahr 2017 hat das RISIS ein neues Protokoll entwickelt, welches all die genannte Anforderungen erfüllt.</p:text>
+    <p:extLst>
+      <p:ext uri="{C676402C-5697-4E1C-873F-D02D1690AC5C}">
+        <p15:threadingInfo xmlns:p15="http://schemas.microsoft.com/office/powerpoint/2012/main" timeZoneBias="-60"/>
+      </p:ext>
+    </p:extLst>
+  </p:cm>
+  <p:cm authorId="1" dt="2018-01-12T11:03:17.197" idx="16">
+    <p:pos x="10" y="10"/>
+    <p:text>Die Spezifikation wurde durch die Herren Haenni, Locher, Koenig und Dubuis entworfen, die die meisten von Ihnen wohl kennen und die hier heute auch anwesend sind.</p:text>
+    <p:extLst>
+      <p:ext uri="{C676402C-5697-4E1C-873F-D02D1690AC5C}">
+        <p15:threadingInfo xmlns:p15="http://schemas.microsoft.com/office/powerpoint/2012/main" timeZoneBias="-60"/>
+      </p:ext>
+    </p:extLst>
+  </p:cm>
+  <p:cm authorId="1" dt="2018-01-12T11:04:32.448" idx="17">
+    <p:pos x="146" y="146"/>
+    <p:text>Wir hatten das Glück, unserer Bachelor Arbeit direkt mit Herrn Haenni und Herr Locher durchführen zu dürfen.</p:text>
+    <p:extLst>
+      <p:ext uri="{C676402C-5697-4E1C-873F-D02D1690AC5C}">
+        <p15:threadingInfo xmlns:p15="http://schemas.microsoft.com/office/powerpoint/2012/main" timeZoneBias="-60"/>
+      </p:ext>
+    </p:extLst>
+  </p:cm>
+  <p:cm authorId="1" dt="2018-01-12T11:05:20.157" idx="18">
+    <p:pos x="282" y="282"/>
+    <p:text>Die Spezifikation beschreibt auf etwa 130 Seiten die Funktionsweise des Protokolls, welches sehr viel Kryptografie beinhaltet.</p:text>
+    <p:extLst>
+      <p:ext uri="{C676402C-5697-4E1C-873F-D02D1690AC5C}">
+        <p15:threadingInfo xmlns:p15="http://schemas.microsoft.com/office/powerpoint/2012/main" timeZoneBias="-60"/>
+      </p:ext>
+    </p:extLst>
+  </p:cm>
+</p:cmLst>
+</file>
+
+<file path=ppt/comments/comment4.xml><?xml version="1.0" encoding="utf-8"?>
+<p:cmLst xmlns:a="http://schemas.openxmlformats.org/drawingml/2006/main" xmlns:r="http://schemas.openxmlformats.org/officeDocument/2006/relationships" xmlns:p="http://schemas.openxmlformats.org/presentationml/2006/main">
+  <p:cm authorId="1" dt="2018-01-12T11:06:51.414" idx="19">
+    <p:pos x="10" y="10"/>
+    <p:text>Dies sind einige Begriffe aus der Spezifikation</p:text>
+    <p:extLst>
+      <p:ext uri="{C676402C-5697-4E1C-873F-D02D1690AC5C}">
+        <p15:threadingInfo xmlns:p15="http://schemas.microsoft.com/office/powerpoint/2012/main" timeZoneBias="-60"/>
+      </p:ext>
+    </p:extLst>
+  </p:cm>
+  <p:cm authorId="1" dt="2018-01-12T11:07:38.278" idx="20">
+    <p:pos x="146" y="146"/>
+    <p:text>Sie sehen hier ein Beispiel aus insgesamt ungefähr 60 Algorithmen</p:text>
+    <p:extLst>
+      <p:ext uri="{C676402C-5697-4E1C-873F-D02D1690AC5C}">
+        <p15:threadingInfo xmlns:p15="http://schemas.microsoft.com/office/powerpoint/2012/main" timeZoneBias="-60"/>
+      </p:ext>
+    </p:extLst>
+  </p:cm>
+  <p:cm authorId="1" dt="2018-01-12T11:09:40.576" idx="21">
+    <p:pos x="282" y="282"/>
+    <p:text>Falls sie von diesem Beispiel nur Bahnhof verstehen, dann geht es Ihnen genau wie uns oder den meisten: E-Voting ist ein sehr komplexes Thema</p:text>
+    <p:extLst>
+      <p:ext uri="{C676402C-5697-4E1C-873F-D02D1690AC5C}">
+        <p15:threadingInfo xmlns:p15="http://schemas.microsoft.com/office/powerpoint/2012/main" timeZoneBias="-60"/>
+      </p:ext>
+    </p:extLst>
+  </p:cm>
+</p:cmLst>
 </file>
 
 <file path=ppt/notesMasters/notesMaster1.xml><?xml version="1.0" encoding="utf-8"?>
@@ -237,7 +373,7 @@
           <a:p>
             <a:fld id="{22D9CFA9-FAAC-43BF-87F9-CA26B79F9462}" type="datetimeFigureOut">
               <a:rPr lang="de-CH" smtClean="0"/>
-              <a:t>11.01.2018</a:t>
+              <a:t>12.01.2018</a:t>
             </a:fld>
             <a:endParaRPr lang="de-CH"/>
           </a:p>
@@ -505,97 +641,6 @@
 </p:notesMaster>
 </file>
 
-<file path=ppt/notesSlides/notesSlide1.xml><?xml version="1.0" encoding="utf-8"?>
-<p:notes xmlns:a="http://schemas.openxmlformats.org/drawingml/2006/main" xmlns:r="http://schemas.openxmlformats.org/officeDocument/2006/relationships" xmlns:p="http://schemas.openxmlformats.org/presentationml/2006/main">
-  <p:cSld>
-    <p:spTree>
-      <p:nvGrpSpPr>
-        <p:cNvPr id="1" name=""/>
-        <p:cNvGrpSpPr/>
-        <p:nvPr/>
-      </p:nvGrpSpPr>
-      <p:grpSpPr>
-        <a:xfrm>
-          <a:off x="0" y="0"/>
-          <a:ext cx="0" cy="0"/>
-          <a:chOff x="0" y="0"/>
-          <a:chExt cx="0" cy="0"/>
-        </a:xfrm>
-      </p:grpSpPr>
-      <p:sp>
-        <p:nvSpPr>
-          <p:cNvPr id="2" name="Folienbildplatzhalter 1"/>
-          <p:cNvSpPr>
-            <a:spLocks noGrp="1" noRot="1" noChangeAspect="1"/>
-          </p:cNvSpPr>
-          <p:nvPr>
-            <p:ph type="sldImg"/>
-          </p:nvPr>
-        </p:nvSpPr>
-        <p:spPr/>
-      </p:sp>
-      <p:sp>
-        <p:nvSpPr>
-          <p:cNvPr id="3" name="Notizenplatzhalter 2"/>
-          <p:cNvSpPr>
-            <a:spLocks noGrp="1"/>
-          </p:cNvSpPr>
-          <p:nvPr>
-            <p:ph type="body" idx="1"/>
-          </p:nvPr>
-        </p:nvSpPr>
-        <p:spPr/>
-        <p:txBody>
-          <a:bodyPr/>
-          <a:lstStyle/>
-          <a:p>
-            <a:r>
-              <a:rPr lang="de-CH" altLang="ko-KR" dirty="0"/>
-              <a:t>https://www.ssl2buy.com/wiki/symmetric-vs-asymmetric-encryption-what-are-differences</a:t>
-            </a:r>
-            <a:endParaRPr lang="ko-KR" altLang="en-US" dirty="0">
-              <a:latin typeface="Arial" pitchFamily="34" charset="0"/>
-              <a:cs typeface="Arial" pitchFamily="34" charset="0"/>
-            </a:endParaRPr>
-          </a:p>
-        </p:txBody>
-      </p:sp>
-      <p:sp>
-        <p:nvSpPr>
-          <p:cNvPr id="4" name="Foliennummernplatzhalter 3"/>
-          <p:cNvSpPr>
-            <a:spLocks noGrp="1"/>
-          </p:cNvSpPr>
-          <p:nvPr>
-            <p:ph type="sldNum" sz="quarter" idx="10"/>
-          </p:nvPr>
-        </p:nvSpPr>
-        <p:spPr/>
-        <p:txBody>
-          <a:bodyPr/>
-          <a:lstStyle/>
-          <a:p>
-            <a:fld id="{61D2E1B2-2152-4B2E-B89E-3335BB714E41}" type="slidenum">
-              <a:rPr lang="de-CH" smtClean="0"/>
-              <a:t>2</a:t>
-            </a:fld>
-            <a:endParaRPr lang="de-CH"/>
-          </a:p>
-        </p:txBody>
-      </p:sp>
-    </p:spTree>
-    <p:extLst>
-      <p:ext uri="{BB962C8B-B14F-4D97-AF65-F5344CB8AC3E}">
-        <p14:creationId xmlns:p14="http://schemas.microsoft.com/office/powerpoint/2010/main" val="288636542"/>
-      </p:ext>
-    </p:extLst>
-  </p:cSld>
-  <p:clrMapOvr>
-    <a:masterClrMapping/>
-  </p:clrMapOvr>
-</p:notes>
-</file>
-
 <file path=ppt/slideLayouts/slideLayout1.xml><?xml version="1.0" encoding="utf-8"?>
 <p:sldLayout xmlns:a="http://schemas.openxmlformats.org/drawingml/2006/main" xmlns:r="http://schemas.openxmlformats.org/officeDocument/2006/relationships" xmlns:p="http://schemas.openxmlformats.org/presentationml/2006/main" preserve="1" userDrawn="1">
   <p:cSld name="Title Slide">
@@ -674,7 +719,7 @@
           <a:p>
             <a:fld id="{18DCCD61-643D-44A5-A450-3A42A50CBC1E}" type="datetimeFigureOut">
               <a:rPr lang="en-US" smtClean="0"/>
-              <a:t>1/11/2018</a:t>
+              <a:t>1/12/2018</a:t>
             </a:fld>
             <a:endParaRPr lang="en-US"/>
           </a:p>
@@ -949,7 +994,7 @@
           <a:p>
             <a:fld id="{18DCCD61-643D-44A5-A450-3A42A50CBC1E}" type="datetimeFigureOut">
               <a:rPr lang="en-US" smtClean="0"/>
-              <a:t>1/11/2018</a:t>
+              <a:t>1/12/2018</a:t>
             </a:fld>
             <a:endParaRPr lang="en-US"/>
           </a:p>
@@ -1201,7 +1246,7 @@
           <a:p>
             <a:fld id="{18DCCD61-643D-44A5-A450-3A42A50CBC1E}" type="datetimeFigureOut">
               <a:rPr lang="en-US" smtClean="0"/>
-              <a:t>1/11/2018</a:t>
+              <a:t>1/12/2018</a:t>
             </a:fld>
             <a:endParaRPr lang="en-US"/>
           </a:p>
@@ -1369,7 +1414,7 @@
           <a:p>
             <a:fld id="{18DCCD61-643D-44A5-A450-3A42A50CBC1E}" type="datetimeFigureOut">
               <a:rPr lang="en-US" smtClean="0"/>
-              <a:t>1/11/2018</a:t>
+              <a:t>1/12/2018</a:t>
             </a:fld>
             <a:endParaRPr lang="en-US"/>
           </a:p>
@@ -1547,7 +1592,7 @@
           <a:p>
             <a:fld id="{18DCCD61-643D-44A5-A450-3A42A50CBC1E}" type="datetimeFigureOut">
               <a:rPr lang="en-US" smtClean="0"/>
-              <a:t>1/11/2018</a:t>
+              <a:t>1/12/2018</a:t>
             </a:fld>
             <a:endParaRPr lang="en-US"/>
           </a:p>
@@ -2163,7 +2208,7 @@
           <a:p>
             <a:fld id="{18DCCD61-643D-44A5-A450-3A42A50CBC1E}" type="datetimeFigureOut">
               <a:rPr lang="en-US" smtClean="0"/>
-              <a:t>1/11/2018</a:t>
+              <a:t>1/12/2018</a:t>
             </a:fld>
             <a:endParaRPr lang="en-US"/>
           </a:p>
@@ -2331,7 +2376,7 @@
           <a:p>
             <a:fld id="{18DCCD61-643D-44A5-A450-3A42A50CBC1E}" type="datetimeFigureOut">
               <a:rPr lang="en-US" smtClean="0"/>
-              <a:t>1/11/2018</a:t>
+              <a:t>1/12/2018</a:t>
             </a:fld>
             <a:endParaRPr lang="en-US"/>
           </a:p>
@@ -2576,7 +2621,7 @@
           <a:p>
             <a:fld id="{18DCCD61-643D-44A5-A450-3A42A50CBC1E}" type="datetimeFigureOut">
               <a:rPr lang="en-US" smtClean="0"/>
-              <a:t>1/11/2018</a:t>
+              <a:t>1/12/2018</a:t>
             </a:fld>
             <a:endParaRPr lang="en-US"/>
           </a:p>
@@ -2861,7 +2906,7 @@
           <a:p>
             <a:fld id="{18DCCD61-643D-44A5-A450-3A42A50CBC1E}" type="datetimeFigureOut">
               <a:rPr lang="en-US" smtClean="0"/>
-              <a:t>1/11/2018</a:t>
+              <a:t>1/12/2018</a:t>
             </a:fld>
             <a:endParaRPr lang="en-US"/>
           </a:p>
@@ -3280,7 +3325,7 @@
           <a:p>
             <a:fld id="{18DCCD61-643D-44A5-A450-3A42A50CBC1E}" type="datetimeFigureOut">
               <a:rPr lang="en-US" smtClean="0"/>
-              <a:t>1/11/2018</a:t>
+              <a:t>1/12/2018</a:t>
             </a:fld>
             <a:endParaRPr lang="en-US"/>
           </a:p>
@@ -3397,7 +3442,7 @@
           <a:p>
             <a:fld id="{18DCCD61-643D-44A5-A450-3A42A50CBC1E}" type="datetimeFigureOut">
               <a:rPr lang="en-US" smtClean="0"/>
-              <a:t>1/11/2018</a:t>
+              <a:t>1/12/2018</a:t>
             </a:fld>
             <a:endParaRPr lang="en-US"/>
           </a:p>
@@ -3899,7 +3944,7 @@
           <a:p>
             <a:fld id="{18DCCD61-643D-44A5-A450-3A42A50CBC1E}" type="datetimeFigureOut">
               <a:rPr lang="en-US" smtClean="0"/>
-              <a:t>1/11/2018</a:t>
+              <a:t>1/12/2018</a:t>
             </a:fld>
             <a:endParaRPr lang="en-US"/>
           </a:p>
@@ -4361,33 +4406,7 @@
                 <a:latin typeface="Segoe UI Light" panose="020B0502040204020203" pitchFamily="34" charset="0"/>
                 <a:cs typeface="Segoe UI Light" panose="020B0502040204020203" pitchFamily="34" charset="0"/>
               </a:rPr>
-              <a:t>Graduates: 	</a:t>
-            </a:r>
-            <a:r>
-              <a:rPr lang="en-US" altLang="ko-KR" sz="2000" dirty="0" err="1">
-                <a:solidFill>
-                  <a:schemeClr val="tx1">
-                    <a:lumMod val="75000"/>
-                    <a:lumOff val="25000"/>
-                  </a:schemeClr>
-                </a:solidFill>
-                <a:latin typeface="Segoe UI Light" panose="020B0502040204020203" pitchFamily="34" charset="0"/>
-                <a:cs typeface="Segoe UI Light" panose="020B0502040204020203" pitchFamily="34" charset="0"/>
-              </a:rPr>
-              <a:t>Yanick</a:t>
-            </a:r>
-            <a:r>
-              <a:rPr lang="en-US" altLang="ko-KR" sz="2000" dirty="0">
-                <a:solidFill>
-                  <a:schemeClr val="tx1">
-                    <a:lumMod val="75000"/>
-                    <a:lumOff val="25000"/>
-                  </a:schemeClr>
-                </a:solidFill>
-                <a:latin typeface="Segoe UI Light" panose="020B0502040204020203" pitchFamily="34" charset="0"/>
-                <a:cs typeface="Segoe UI Light" panose="020B0502040204020203" pitchFamily="34" charset="0"/>
-              </a:rPr>
-              <a:t> </a:t>
+              <a:t>Graduates: 	Yannick </a:t>
             </a:r>
             <a:r>
               <a:rPr lang="en-US" altLang="ko-KR" sz="2000" dirty="0" err="1">
@@ -4673,7 +4692,7 @@
 </file>
 
 <file path=ppt/slides/slide2.xml><?xml version="1.0" encoding="utf-8"?>
-<p:sld xmlns:a="http://schemas.openxmlformats.org/drawingml/2006/main" xmlns:r="http://schemas.openxmlformats.org/officeDocument/2006/relationships" xmlns:p="http://schemas.openxmlformats.org/presentationml/2006/main" show="0">
+<p:sld xmlns:a="http://schemas.openxmlformats.org/drawingml/2006/main" xmlns:r="http://schemas.openxmlformats.org/officeDocument/2006/relationships" xmlns:p="http://schemas.openxmlformats.org/presentationml/2006/main">
   <p:cSld>
     <p:spTree>
       <p:nvGrpSpPr>
@@ -4691,7 +4710,7 @@
       </p:grpSpPr>
       <p:sp>
         <p:nvSpPr>
-          <p:cNvPr id="6" name="Content Placeholder 5"/>
+          <p:cNvPr id="3" name="Content Placeholder 2"/>
           <p:cNvSpPr>
             <a:spLocks noGrp="1"/>
           </p:cNvSpPr>
@@ -4704,12 +4723,43 @@
           <a:bodyPr/>
           <a:lstStyle/>
           <a:p>
-            <a:pPr lvl="0"/>
-            <a:r>
-              <a:rPr lang="en-US" altLang="ko-KR" b="1" dirty="0"/>
-              <a:t>Content</a:t>
-            </a:r>
-            <a:endParaRPr lang="en-US" altLang="ko-KR" b="1" dirty="0">
+            <a:r>
+              <a:rPr lang="de-CH" b="1" dirty="0"/>
+              <a:t>E-Voting</a:t>
+            </a:r>
+          </a:p>
+        </p:txBody>
+      </p:sp>
+      <p:sp>
+        <p:nvSpPr>
+          <p:cNvPr id="4" name="Content Placeholder 3"/>
+          <p:cNvSpPr>
+            <a:spLocks noGrp="1"/>
+          </p:cNvSpPr>
+          <p:nvPr>
+            <p:ph idx="10"/>
+          </p:nvPr>
+        </p:nvSpPr>
+        <p:spPr/>
+        <p:txBody>
+          <a:bodyPr/>
+          <a:lstStyle/>
+          <a:p>
+            <a:pPr marL="285750" indent="-285750">
+              <a:buFont typeface="Arial" panose="020B0604020202020204" pitchFamily="34" charset="0"/>
+              <a:buChar char="•"/>
+            </a:pPr>
+            <a:r>
+              <a:rPr lang="de-CH" sz="1800" dirty="0"/>
+              <a:t>Schutz der Privatsphäre ist nur eine Anforderung</a:t>
+            </a:r>
+          </a:p>
+          <a:p>
+            <a:pPr marL="285750" indent="-285750">
+              <a:buFont typeface="Arial" panose="020B0604020202020204" pitchFamily="34" charset="0"/>
+              <a:buChar char="•"/>
+            </a:pPr>
+            <a:endParaRPr lang="de-CH" sz="1800" dirty="0">
               <a:solidFill>
                 <a:schemeClr val="tx1">
                   <a:lumMod val="75000"/>
@@ -4720,134 +4770,112 @@
               <a:cs typeface="Arial" pitchFamily="34" charset="0"/>
             </a:endParaRPr>
           </a:p>
-        </p:txBody>
-      </p:sp>
-      <p:sp>
-        <p:nvSpPr>
-          <p:cNvPr id="5" name="Inhaltsplatzhalter 3"/>
-          <p:cNvSpPr>
-            <a:spLocks noGrp="1"/>
-          </p:cNvSpPr>
-          <p:nvPr>
-            <p:ph idx="10"/>
-          </p:nvPr>
-        </p:nvSpPr>
-        <p:spPr>
-          <a:xfrm>
-            <a:off x="467544" y="2276872"/>
-            <a:ext cx="8496944" cy="3600400"/>
-          </a:xfrm>
-        </p:spPr>
-        <p:txBody>
-          <a:bodyPr/>
-          <a:lstStyle/>
-          <a:p>
-            <a:pPr marL="342900" indent="-342900">
-              <a:lnSpc>
-                <a:spcPct val="150000"/>
-              </a:lnSpc>
-              <a:buFont typeface="+mj-lt"/>
-              <a:buAutoNum type="arabicPeriod"/>
+          <a:p>
+            <a:pPr marL="285750" indent="-285750">
+              <a:buFont typeface="Arial" panose="020B0604020202020204" pitchFamily="34" charset="0"/>
+              <a:buChar char="•"/>
             </a:pPr>
             <a:r>
-              <a:rPr lang="de-CH" altLang="ko-KR" sz="1800" dirty="0"/>
-              <a:t>Who </a:t>
-            </a:r>
-            <a:r>
-              <a:rPr lang="de-CH" altLang="ko-KR" sz="1800" dirty="0" err="1"/>
-              <a:t>we</a:t>
-            </a:r>
-            <a:r>
-              <a:rPr lang="de-CH" altLang="ko-KR" sz="1800" dirty="0"/>
-              <a:t> </a:t>
-            </a:r>
-            <a:r>
-              <a:rPr lang="de-CH" altLang="ko-KR" sz="1800" dirty="0" err="1"/>
-              <a:t>are</a:t>
-            </a:r>
-            <a:endParaRPr lang="de-CH" altLang="ko-KR" sz="1800" b="1" dirty="0"/>
-          </a:p>
-          <a:p>
-            <a:pPr marL="342900" indent="-342900">
-              <a:lnSpc>
-                <a:spcPct val="150000"/>
-              </a:lnSpc>
-              <a:buFont typeface="+mj-lt"/>
-              <a:buAutoNum type="arabicPeriod"/>
+              <a:rPr lang="de-CH" sz="1800" dirty="0">
+                <a:solidFill>
+                  <a:schemeClr val="tx1">
+                    <a:lumMod val="75000"/>
+                    <a:lumOff val="25000"/>
+                  </a:schemeClr>
+                </a:solidFill>
+                <a:latin typeface="Arial" pitchFamily="34" charset="0"/>
+                <a:cs typeface="Arial" pitchFamily="34" charset="0"/>
+              </a:rPr>
+              <a:t>Integrität</a:t>
+            </a:r>
+          </a:p>
+          <a:p>
+            <a:pPr marL="285750" indent="-285750">
+              <a:buFont typeface="Arial" panose="020B0604020202020204" pitchFamily="34" charset="0"/>
+              <a:buChar char="•"/>
             </a:pPr>
             <a:r>
+              <a:rPr lang="de-CH" sz="1800" dirty="0">
+                <a:solidFill>
+                  <a:schemeClr val="tx1">
+                    <a:lumMod val="75000"/>
+                    <a:lumOff val="25000"/>
+                  </a:schemeClr>
+                </a:solidFill>
+                <a:latin typeface="Arial" pitchFamily="34" charset="0"/>
+                <a:cs typeface="Arial" pitchFamily="34" charset="0"/>
+              </a:rPr>
+              <a:t>Anonymität</a:t>
+            </a:r>
+            <a:endParaRPr lang="de-CH" sz="1800" dirty="0"/>
+          </a:p>
+          <a:p>
+            <a:pPr marL="285750" indent="-285750">
+              <a:buFont typeface="Arial" panose="020B0604020202020204" pitchFamily="34" charset="0"/>
+              <a:buChar char="•"/>
+            </a:pPr>
+            <a:r>
+              <a:rPr lang="de-CH" sz="1800" dirty="0">
+                <a:solidFill>
+                  <a:schemeClr val="tx1">
+                    <a:lumMod val="75000"/>
+                    <a:lumOff val="25000"/>
+                  </a:schemeClr>
+                </a:solidFill>
+                <a:latin typeface="Arial" pitchFamily="34" charset="0"/>
+                <a:cs typeface="Arial" pitchFamily="34" charset="0"/>
+              </a:rPr>
+              <a:t>Authentizität</a:t>
+            </a:r>
+            <a:endParaRPr lang="de-CH" sz="1800" dirty="0"/>
+          </a:p>
+          <a:p>
+            <a:pPr marL="285750" indent="-285750">
+              <a:buFont typeface="Arial" panose="020B0604020202020204" pitchFamily="34" charset="0"/>
+              <a:buChar char="•"/>
+            </a:pPr>
+            <a:r>
+              <a:rPr lang="de-CH" sz="1800" dirty="0">
+                <a:solidFill>
+                  <a:schemeClr val="tx1">
+                    <a:lumMod val="75000"/>
+                    <a:lumOff val="25000"/>
+                  </a:schemeClr>
+                </a:solidFill>
+                <a:latin typeface="Arial" pitchFamily="34" charset="0"/>
+                <a:cs typeface="Arial" pitchFamily="34" charset="0"/>
+              </a:rPr>
+              <a:t>Wahlberechtigung</a:t>
+            </a:r>
+            <a:endParaRPr lang="de-CH" sz="1800" dirty="0"/>
+          </a:p>
+          <a:p>
+            <a:pPr marL="285750" indent="-285750">
+              <a:buFont typeface="Arial" panose="020B0604020202020204" pitchFamily="34" charset="0"/>
+              <a:buChar char="•"/>
+            </a:pPr>
+            <a:r>
               <a:rPr lang="de-CH" sz="1800" dirty="0"/>
-              <a:t>Goal</a:t>
-            </a:r>
-          </a:p>
-          <a:p>
-            <a:pPr marL="342900" indent="-342900">
-              <a:lnSpc>
-                <a:spcPct val="150000"/>
-              </a:lnSpc>
-              <a:buFont typeface="+mj-lt"/>
-              <a:buAutoNum type="arabicPeriod"/>
+              <a:t>Verifizierbarkeit</a:t>
+            </a:r>
+            <a:endParaRPr lang="de-CH" sz="3200" dirty="0"/>
+          </a:p>
+          <a:p>
+            <a:pPr marL="285750" indent="-285750">
+              <a:buFont typeface="Arial" panose="020B0604020202020204" pitchFamily="34" charset="0"/>
+              <a:buChar char="•"/>
             </a:pPr>
             <a:r>
               <a:rPr lang="de-CH" sz="1800" dirty="0"/>
-              <a:t>Demo</a:t>
-            </a:r>
-          </a:p>
-          <a:p>
-            <a:pPr marL="342900" indent="-342900">
-              <a:lnSpc>
-                <a:spcPct val="150000"/>
-              </a:lnSpc>
-              <a:buFont typeface="+mj-lt"/>
-              <a:buAutoNum type="arabicPeriod"/>
-            </a:pPr>
-            <a:r>
-              <a:rPr lang="de-CH" sz="1800" dirty="0"/>
-              <a:t>Project </a:t>
-            </a:r>
-          </a:p>
-          <a:p>
-            <a:pPr marL="342900" indent="-342900">
-              <a:lnSpc>
-                <a:spcPct val="150000"/>
-              </a:lnSpc>
-              <a:buFont typeface="+mj-lt"/>
-              <a:buAutoNum type="arabicPeriod"/>
-            </a:pPr>
-            <a:r>
-              <a:rPr lang="de-CH" sz="1800" dirty="0"/>
-              <a:t>Implementation </a:t>
-            </a:r>
-            <a:r>
-              <a:rPr lang="de-CH" sz="1800" dirty="0" err="1"/>
-              <a:t>details</a:t>
-            </a:r>
-            <a:endParaRPr lang="de-CH" sz="1800" dirty="0"/>
-          </a:p>
-          <a:p>
-            <a:pPr marL="342900" indent="-342900">
-              <a:lnSpc>
-                <a:spcPct val="150000"/>
-              </a:lnSpc>
-              <a:buFont typeface="+mj-lt"/>
-              <a:buAutoNum type="arabicPeriod"/>
-            </a:pPr>
-            <a:r>
-              <a:rPr lang="de-CH" sz="1800" dirty="0"/>
-              <a:t>Next </a:t>
-            </a:r>
-            <a:r>
-              <a:rPr lang="de-CH" sz="1800" dirty="0" err="1"/>
-              <a:t>steps</a:t>
-            </a:r>
-            <a:endParaRPr lang="de-CH" sz="1800" dirty="0"/>
+              <a:t>…</a:t>
+            </a:r>
           </a:p>
         </p:txBody>
       </p:sp>
     </p:spTree>
     <p:extLst>
       <p:ext uri="{BB962C8B-B14F-4D97-AF65-F5344CB8AC3E}">
-        <p14:creationId xmlns:p14="http://schemas.microsoft.com/office/powerpoint/2010/main" val="891763176"/>
+        <p14:creationId xmlns:p14="http://schemas.microsoft.com/office/powerpoint/2010/main" val="3864515321"/>
       </p:ext>
     </p:extLst>
   </p:cSld>
@@ -4890,8 +4918,12 @@
           <a:lstStyle/>
           <a:p>
             <a:r>
+              <a:rPr lang="de-CH" b="1" dirty="0" err="1"/>
+              <a:t>CHVote</a:t>
+            </a:r>
+            <a:r>
               <a:rPr lang="de-CH" b="1" dirty="0"/>
-              <a:t>E-Voting</a:t>
+              <a:t> Protocol</a:t>
             </a:r>
           </a:p>
         </p:txBody>
@@ -4912,183 +4944,84 @@
           <a:lstStyle/>
           <a:p>
             <a:pPr marL="285750" indent="-285750">
-              <a:buFont typeface="Arial" panose="020B0604020202020204" pitchFamily="34" charset="0"/>
-              <a:buChar char="•"/>
+              <a:buFontTx/>
+              <a:buChar char="-"/>
             </a:pPr>
             <a:r>
-              <a:rPr lang="de-CH" sz="1800" dirty="0"/>
-              <a:t>Privacy </a:t>
-            </a:r>
-            <a:r>
-              <a:rPr lang="de-CH" sz="1800" dirty="0" err="1"/>
-              <a:t>is</a:t>
-            </a:r>
-            <a:r>
-              <a:rPr lang="de-CH" sz="1800" dirty="0"/>
-              <a:t> </a:t>
-            </a:r>
-            <a:r>
-              <a:rPr lang="de-CH" sz="1800" dirty="0" err="1"/>
-              <a:t>only</a:t>
-            </a:r>
-            <a:r>
-              <a:rPr lang="de-CH" sz="1800" dirty="0"/>
-              <a:t> </a:t>
-            </a:r>
-            <a:r>
-              <a:rPr lang="de-CH" sz="1800" dirty="0" err="1"/>
-              <a:t>one</a:t>
-            </a:r>
-            <a:r>
-              <a:rPr lang="de-CH" sz="1800" dirty="0"/>
-              <a:t> </a:t>
-            </a:r>
-            <a:r>
-              <a:rPr lang="de-CH" sz="1800" dirty="0" err="1"/>
-              <a:t>requirement</a:t>
-            </a:r>
-            <a:endParaRPr lang="de-CH" sz="1800" dirty="0"/>
+              <a:rPr lang="de-CH" dirty="0"/>
+              <a:t>Entwicklung eines neuen E-Voting Protokolls durch das </a:t>
+            </a:r>
+            <a:r>
+              <a:rPr lang="en-US" b="1" dirty="0"/>
+              <a:t>Institute for Security in the Information Society</a:t>
+            </a:r>
+            <a:r>
+              <a:rPr lang="en-US" dirty="0"/>
+              <a:t> (RISIS) der BFH</a:t>
+            </a:r>
+            <a:endParaRPr lang="de-CH" dirty="0"/>
           </a:p>
           <a:p>
             <a:pPr marL="285750" indent="-285750">
-              <a:buFont typeface="Arial" panose="020B0604020202020204" pitchFamily="34" charset="0"/>
-              <a:buChar char="•"/>
+              <a:buFontTx/>
+              <a:buChar char="-"/>
             </a:pPr>
-            <a:endParaRPr lang="de-CH" sz="1800" dirty="0">
-              <a:solidFill>
-                <a:schemeClr val="tx1">
-                  <a:lumMod val="75000"/>
-                  <a:lumOff val="25000"/>
-                </a:schemeClr>
-              </a:solidFill>
-              <a:latin typeface="Arial" pitchFamily="34" charset="0"/>
-              <a:cs typeface="Arial" pitchFamily="34" charset="0"/>
-            </a:endParaRPr>
+            <a:r>
+              <a:rPr lang="de-CH" dirty="0"/>
+              <a:t>Veröffentlicht im Frühjahr 2017</a:t>
+            </a:r>
           </a:p>
           <a:p>
             <a:pPr marL="285750" indent="-285750">
-              <a:buFont typeface="Arial" panose="020B0604020202020204" pitchFamily="34" charset="0"/>
-              <a:buChar char="•"/>
+              <a:buFontTx/>
+              <a:buChar char="-"/>
             </a:pPr>
             <a:r>
-              <a:rPr lang="de-CH" sz="1800" dirty="0" err="1">
-                <a:solidFill>
-                  <a:schemeClr val="tx1">
-                    <a:lumMod val="75000"/>
-                    <a:lumOff val="25000"/>
-                  </a:schemeClr>
-                </a:solidFill>
-                <a:latin typeface="Arial" pitchFamily="34" charset="0"/>
-                <a:cs typeface="Arial" pitchFamily="34" charset="0"/>
-              </a:rPr>
-              <a:t>Anonymity</a:t>
-            </a:r>
-            <a:endParaRPr lang="de-CH" sz="1800" dirty="0"/>
+              <a:rPr lang="de-CH" dirty="0" err="1"/>
+              <a:t>Authoren</a:t>
+            </a:r>
+            <a:r>
+              <a:rPr lang="de-CH" dirty="0"/>
+              <a:t>: Rolf </a:t>
+            </a:r>
+            <a:r>
+              <a:rPr lang="de-CH" dirty="0" err="1"/>
+              <a:t>Haenni</a:t>
+            </a:r>
+            <a:r>
+              <a:rPr lang="de-CH" dirty="0"/>
+              <a:t>, Reto E. </a:t>
+            </a:r>
+            <a:r>
+              <a:rPr lang="de-CH" dirty="0" err="1"/>
+              <a:t>Koenig</a:t>
+            </a:r>
+            <a:r>
+              <a:rPr lang="de-CH" dirty="0"/>
+              <a:t>, Philipp Locher, Eric </a:t>
+            </a:r>
+            <a:r>
+              <a:rPr lang="de-CH" dirty="0" err="1"/>
+              <a:t>Dubuis</a:t>
+            </a:r>
+            <a:endParaRPr lang="de-CH" dirty="0"/>
           </a:p>
           <a:p>
             <a:pPr marL="285750" indent="-285750">
-              <a:buFont typeface="Arial" panose="020B0604020202020204" pitchFamily="34" charset="0"/>
-              <a:buChar char="•"/>
+              <a:buFontTx/>
+              <a:buChar char="-"/>
             </a:pPr>
             <a:r>
-              <a:rPr lang="de-CH" sz="1800" dirty="0">
-                <a:solidFill>
-                  <a:schemeClr val="tx1">
-                    <a:lumMod val="75000"/>
-                    <a:lumOff val="25000"/>
-                  </a:schemeClr>
-                </a:solidFill>
-                <a:latin typeface="Arial" pitchFamily="34" charset="0"/>
-                <a:cs typeface="Arial" pitchFamily="34" charset="0"/>
-              </a:rPr>
-              <a:t>Authenticity</a:t>
-            </a:r>
-            <a:endParaRPr lang="de-CH" sz="1800" dirty="0"/>
-          </a:p>
-          <a:p>
-            <a:pPr marL="285750" indent="-285750">
-              <a:buFont typeface="Arial" panose="020B0604020202020204" pitchFamily="34" charset="0"/>
-              <a:buChar char="•"/>
-            </a:pPr>
-            <a:r>
-              <a:rPr lang="de-CH" sz="1800" dirty="0" err="1">
-                <a:solidFill>
-                  <a:schemeClr val="tx1">
-                    <a:lumMod val="75000"/>
-                    <a:lumOff val="25000"/>
-                  </a:schemeClr>
-                </a:solidFill>
-                <a:latin typeface="Arial" pitchFamily="34" charset="0"/>
-                <a:cs typeface="Arial" pitchFamily="34" charset="0"/>
-              </a:rPr>
-              <a:t>Eligibility</a:t>
-            </a:r>
-            <a:endParaRPr lang="de-CH" sz="1800" dirty="0"/>
-          </a:p>
-          <a:p>
-            <a:pPr marL="285750" indent="-285750">
-              <a:buFont typeface="Arial" panose="020B0604020202020204" pitchFamily="34" charset="0"/>
-              <a:buChar char="•"/>
-            </a:pPr>
-            <a:r>
-              <a:rPr lang="de-CH" sz="1800" dirty="0" err="1">
-                <a:solidFill>
-                  <a:schemeClr val="tx1">
-                    <a:lumMod val="75000"/>
-                    <a:lumOff val="25000"/>
-                  </a:schemeClr>
-                </a:solidFill>
-                <a:latin typeface="Arial" pitchFamily="34" charset="0"/>
-                <a:cs typeface="Arial" pitchFamily="34" charset="0"/>
-              </a:rPr>
-              <a:t>Verifiability</a:t>
-            </a:r>
-            <a:endParaRPr lang="de-CH" sz="1800" dirty="0"/>
-          </a:p>
-          <a:p>
-            <a:r>
-              <a:rPr lang="de-CH" sz="1800" dirty="0"/>
-              <a:t>     and </a:t>
-            </a:r>
-            <a:r>
-              <a:rPr lang="de-CH" sz="1800" dirty="0" err="1"/>
-              <a:t>more</a:t>
-            </a:r>
-            <a:r>
-              <a:rPr lang="de-CH" sz="1800" dirty="0"/>
-              <a:t> …</a:t>
-            </a:r>
-            <a:endParaRPr lang="de-CH" sz="1800" dirty="0">
-              <a:solidFill>
-                <a:schemeClr val="tx1">
-                  <a:lumMod val="75000"/>
-                  <a:lumOff val="25000"/>
-                </a:schemeClr>
-              </a:solidFill>
-              <a:latin typeface="Arial" pitchFamily="34" charset="0"/>
-              <a:cs typeface="Arial" pitchFamily="34" charset="0"/>
-            </a:endParaRPr>
-          </a:p>
-          <a:p>
-            <a:pPr marL="1028700" lvl="1">
-              <a:buFont typeface="Arial" panose="020B0604020202020204" pitchFamily="34" charset="0"/>
-              <a:buChar char="•"/>
-            </a:pPr>
-            <a:endParaRPr lang="de-CH" sz="3200" dirty="0"/>
-          </a:p>
-          <a:p>
-            <a:pPr marL="285750" indent="-285750">
-              <a:buFont typeface="Arial" panose="020B0604020202020204" pitchFamily="34" charset="0"/>
-              <a:buChar char="•"/>
-            </a:pPr>
-            <a:endParaRPr lang="de-CH" sz="1800" dirty="0"/>
+              <a:rPr lang="de-CH" dirty="0"/>
+              <a:t>130 Seiten</a:t>
+            </a:r>
           </a:p>
         </p:txBody>
       </p:sp>
     </p:spTree>
     <p:extLst>
       <p:ext uri="{BB962C8B-B14F-4D97-AF65-F5344CB8AC3E}">
-        <p14:creationId xmlns:p14="http://schemas.microsoft.com/office/powerpoint/2010/main" val="3864515321"/>
+        <p14:creationId xmlns:p14="http://schemas.microsoft.com/office/powerpoint/2010/main" val="3981609126"/>
       </p:ext>
     </p:extLst>
   </p:cSld>
@@ -5143,290 +5076,6 @@
       </p:sp>
       <p:sp>
         <p:nvSpPr>
-          <p:cNvPr id="4" name="Content Placeholder 3"/>
-          <p:cNvSpPr>
-            <a:spLocks noGrp="1"/>
-          </p:cNvSpPr>
-          <p:nvPr>
-            <p:ph idx="10"/>
-          </p:nvPr>
-        </p:nvSpPr>
-        <p:spPr/>
-        <p:txBody>
-          <a:bodyPr/>
-          <a:lstStyle/>
-          <a:p>
-            <a:pPr marL="285750" indent="-285750">
-              <a:buFont typeface="Arial" panose="020B0604020202020204" pitchFamily="34" charset="0"/>
-              <a:buChar char="•"/>
-            </a:pPr>
-            <a:r>
-              <a:rPr lang="de-CH" sz="1800" dirty="0" err="1"/>
-              <a:t>ElGamal</a:t>
-            </a:r>
-            <a:r>
-              <a:rPr lang="de-CH" sz="1800" dirty="0"/>
-              <a:t> Encryption</a:t>
-            </a:r>
-          </a:p>
-          <a:p>
-            <a:pPr marL="285750" indent="-285750">
-              <a:buFont typeface="Arial" panose="020B0604020202020204" pitchFamily="34" charset="0"/>
-              <a:buChar char="•"/>
-            </a:pPr>
-            <a:r>
-              <a:rPr lang="de-CH" sz="1800" dirty="0"/>
-              <a:t>k-out-</a:t>
-            </a:r>
-            <a:r>
-              <a:rPr lang="de-CH" sz="1800" dirty="0" err="1"/>
-              <a:t>of</a:t>
-            </a:r>
-            <a:r>
-              <a:rPr lang="de-CH" sz="1800" dirty="0"/>
-              <a:t>-n </a:t>
-            </a:r>
-            <a:r>
-              <a:rPr lang="de-CH" sz="1800" dirty="0" err="1"/>
-              <a:t>Oblivious</a:t>
-            </a:r>
-            <a:r>
-              <a:rPr lang="de-CH" sz="1800" dirty="0"/>
-              <a:t> Transfer </a:t>
-            </a:r>
-            <a:r>
-              <a:rPr lang="de-CH" sz="1800" dirty="0" err="1"/>
-              <a:t>by</a:t>
-            </a:r>
-            <a:r>
-              <a:rPr lang="de-CH" sz="1800" dirty="0"/>
-              <a:t> Chu and </a:t>
-            </a:r>
-            <a:r>
-              <a:rPr lang="de-CH" sz="1800" dirty="0" err="1"/>
-              <a:t>Tzeng</a:t>
-            </a:r>
-            <a:endParaRPr lang="de-CH" sz="1800" dirty="0"/>
-          </a:p>
-          <a:p>
-            <a:pPr marL="285750" indent="-285750">
-              <a:buFont typeface="Arial" panose="020B0604020202020204" pitchFamily="34" charset="0"/>
-              <a:buChar char="•"/>
-            </a:pPr>
-            <a:r>
-              <a:rPr lang="de-CH" sz="1800" dirty="0" err="1"/>
-              <a:t>Multiplicative</a:t>
-            </a:r>
-            <a:r>
-              <a:rPr lang="de-CH" sz="1800" dirty="0"/>
-              <a:t> </a:t>
-            </a:r>
-            <a:r>
-              <a:rPr lang="de-CH" sz="1800" dirty="0" err="1"/>
-              <a:t>Homomorphic</a:t>
-            </a:r>
-            <a:r>
-              <a:rPr lang="de-CH" sz="1800" dirty="0"/>
-              <a:t> Encryption</a:t>
-            </a:r>
-          </a:p>
-          <a:p>
-            <a:pPr marL="285750" indent="-285750">
-              <a:buFont typeface="Arial" panose="020B0604020202020204" pitchFamily="34" charset="0"/>
-              <a:buChar char="•"/>
-            </a:pPr>
-            <a:r>
-              <a:rPr lang="de-CH" sz="1800" dirty="0" err="1"/>
-              <a:t>Cryptographic</a:t>
-            </a:r>
-            <a:r>
-              <a:rPr lang="de-CH" sz="1800" dirty="0"/>
-              <a:t> </a:t>
-            </a:r>
-            <a:r>
-              <a:rPr lang="de-CH" sz="1800" dirty="0" err="1"/>
-              <a:t>Shuffles</a:t>
-            </a:r>
-            <a:endParaRPr lang="de-CH" sz="1800" dirty="0"/>
-          </a:p>
-          <a:p>
-            <a:pPr marL="285750" indent="-285750">
-              <a:buFont typeface="Arial" panose="020B0604020202020204" pitchFamily="34" charset="0"/>
-              <a:buChar char="•"/>
-            </a:pPr>
-            <a:r>
-              <a:rPr lang="de-CH" sz="1800" dirty="0"/>
-              <a:t>Re-Encryption Mix-Nets</a:t>
-            </a:r>
-          </a:p>
-          <a:p>
-            <a:pPr marL="285750" indent="-285750">
-              <a:buFont typeface="Arial" panose="020B0604020202020204" pitchFamily="34" charset="0"/>
-              <a:buChar char="•"/>
-            </a:pPr>
-            <a:r>
-              <a:rPr lang="de-CH" sz="1800" dirty="0"/>
-              <a:t>Pedersen </a:t>
-            </a:r>
-            <a:r>
-              <a:rPr lang="de-CH" sz="1800" dirty="0" err="1"/>
-              <a:t>Commitments</a:t>
-            </a:r>
-            <a:endParaRPr lang="de-CH" sz="1800" dirty="0"/>
-          </a:p>
-          <a:p>
-            <a:pPr marL="285750" indent="-285750">
-              <a:buFont typeface="Arial" panose="020B0604020202020204" pitchFamily="34" charset="0"/>
-              <a:buChar char="•"/>
-            </a:pPr>
-            <a:r>
-              <a:rPr lang="de-CH" sz="1800" dirty="0"/>
-              <a:t>Non-Interactive Zero-Knowledge Proofs</a:t>
-            </a:r>
-          </a:p>
-          <a:p>
-            <a:pPr marL="285750" indent="-285750">
-              <a:buFont typeface="Arial" panose="020B0604020202020204" pitchFamily="34" charset="0"/>
-              <a:buChar char="•"/>
-            </a:pPr>
-            <a:r>
-              <a:rPr lang="de-CH" sz="1800" dirty="0"/>
-              <a:t>Schnorr </a:t>
-            </a:r>
-            <a:r>
-              <a:rPr lang="de-CH" sz="1800" dirty="0" err="1"/>
-              <a:t>Signatures</a:t>
-            </a:r>
-            <a:endParaRPr lang="de-CH" sz="1800" dirty="0"/>
-          </a:p>
-          <a:p>
-            <a:pPr marL="285750" indent="-285750">
-              <a:buFont typeface="Arial" panose="020B0604020202020204" pitchFamily="34" charset="0"/>
-              <a:buChar char="•"/>
-            </a:pPr>
-            <a:r>
-              <a:rPr lang="de-CH" sz="1800" dirty="0" err="1"/>
-              <a:t>Wikström’s</a:t>
-            </a:r>
-            <a:r>
-              <a:rPr lang="de-CH" sz="1800" dirty="0"/>
-              <a:t> Shuffle Proof</a:t>
-            </a:r>
-          </a:p>
-          <a:p>
-            <a:pPr marL="285750" indent="-285750">
-              <a:buFont typeface="Arial" panose="020B0604020202020204" pitchFamily="34" charset="0"/>
-              <a:buChar char="•"/>
-            </a:pPr>
-            <a:r>
-              <a:rPr lang="de-CH" sz="1800" dirty="0"/>
-              <a:t>Lagrange </a:t>
-            </a:r>
-            <a:r>
-              <a:rPr lang="de-CH" sz="1800" dirty="0" err="1"/>
-              <a:t>Interpolating</a:t>
-            </a:r>
-            <a:r>
-              <a:rPr lang="de-CH" sz="1800" dirty="0"/>
-              <a:t> </a:t>
-            </a:r>
-            <a:r>
-              <a:rPr lang="de-CH" sz="1800" dirty="0" err="1"/>
-              <a:t>Polynomials</a:t>
-            </a:r>
-            <a:endParaRPr lang="de-CH" sz="1800" dirty="0"/>
-          </a:p>
-          <a:p>
-            <a:pPr marL="285750" indent="-285750">
-              <a:buFont typeface="Arial" panose="020B0604020202020204" pitchFamily="34" charset="0"/>
-              <a:buChar char="•"/>
-            </a:pPr>
-            <a:r>
-              <a:rPr lang="de-CH" sz="1800" dirty="0" err="1"/>
-              <a:t>Shared</a:t>
-            </a:r>
-            <a:r>
-              <a:rPr lang="de-CH" sz="1800" dirty="0"/>
-              <a:t> Key Pairs</a:t>
-            </a:r>
-          </a:p>
-          <a:p>
-            <a:pPr marL="285750" indent="-285750">
-              <a:buFont typeface="Arial" panose="020B0604020202020204" pitchFamily="34" charset="0"/>
-              <a:buChar char="•"/>
-            </a:pPr>
-            <a:r>
-              <a:rPr lang="de-CH" sz="1800" dirty="0"/>
-              <a:t>…</a:t>
-            </a:r>
-          </a:p>
-          <a:p>
-            <a:pPr marL="285750" indent="-285750">
-              <a:buFont typeface="Arial" panose="020B0604020202020204" pitchFamily="34" charset="0"/>
-              <a:buChar char="•"/>
-            </a:pPr>
-            <a:endParaRPr lang="de-CH" sz="1800" dirty="0"/>
-          </a:p>
-        </p:txBody>
-      </p:sp>
-    </p:spTree>
-    <p:extLst>
-      <p:ext uri="{BB962C8B-B14F-4D97-AF65-F5344CB8AC3E}">
-        <p14:creationId xmlns:p14="http://schemas.microsoft.com/office/powerpoint/2010/main" val="3981609126"/>
-      </p:ext>
-    </p:extLst>
-  </p:cSld>
-  <p:clrMapOvr>
-    <a:masterClrMapping/>
-  </p:clrMapOvr>
-</p:sld>
-</file>
-
-<file path=ppt/slides/slide5.xml><?xml version="1.0" encoding="utf-8"?>
-<p:sld xmlns:a="http://schemas.openxmlformats.org/drawingml/2006/main" xmlns:r="http://schemas.openxmlformats.org/officeDocument/2006/relationships" xmlns:p="http://schemas.openxmlformats.org/presentationml/2006/main">
-  <p:cSld>
-    <p:spTree>
-      <p:nvGrpSpPr>
-        <p:cNvPr id="1" name=""/>
-        <p:cNvGrpSpPr/>
-        <p:nvPr/>
-      </p:nvGrpSpPr>
-      <p:grpSpPr>
-        <a:xfrm>
-          <a:off x="0" y="0"/>
-          <a:ext cx="0" cy="0"/>
-          <a:chOff x="0" y="0"/>
-          <a:chExt cx="0" cy="0"/>
-        </a:xfrm>
-      </p:grpSpPr>
-      <p:sp>
-        <p:nvSpPr>
-          <p:cNvPr id="3" name="Content Placeholder 2"/>
-          <p:cNvSpPr>
-            <a:spLocks noGrp="1"/>
-          </p:cNvSpPr>
-          <p:nvPr>
-            <p:ph idx="1"/>
-          </p:nvPr>
-        </p:nvSpPr>
-        <p:spPr/>
-        <p:txBody>
-          <a:bodyPr/>
-          <a:lstStyle/>
-          <a:p>
-            <a:r>
-              <a:rPr lang="de-CH" b="1" dirty="0" err="1"/>
-              <a:t>CHVote</a:t>
-            </a:r>
-            <a:r>
-              <a:rPr lang="de-CH" b="1" dirty="0"/>
-              <a:t> Protocol</a:t>
-            </a:r>
-          </a:p>
-        </p:txBody>
-      </p:sp>
-      <p:sp>
-        <p:nvSpPr>
           <p:cNvPr id="7" name="Content Placeholder 3">
             <a:extLst>
               <a:ext uri="{FF2B5EF4-FFF2-40B4-BE49-F238E27FC236}">
@@ -5444,7 +5093,7 @@
         <p:spPr>
           <a:xfrm>
             <a:off x="467544" y="2276872"/>
-            <a:ext cx="8229600" cy="3600400"/>
+            <a:ext cx="5616624" cy="3600400"/>
           </a:xfrm>
         </p:spPr>
         <p:txBody>
@@ -5457,7 +5106,60 @@
             </a:pPr>
             <a:r>
               <a:rPr lang="de-CH" sz="1800" dirty="0" err="1"/>
-              <a:t>Specified</a:t>
+              <a:t>ElGamal</a:t>
+            </a:r>
+            <a:r>
+              <a:rPr lang="de-CH" sz="1800" dirty="0"/>
+              <a:t> Encryption</a:t>
+            </a:r>
+          </a:p>
+          <a:p>
+            <a:pPr marL="285750" indent="-285750">
+              <a:buFont typeface="Arial" panose="020B0604020202020204" pitchFamily="34" charset="0"/>
+              <a:buChar char="•"/>
+            </a:pPr>
+            <a:r>
+              <a:rPr lang="de-CH" sz="1800" dirty="0"/>
+              <a:t>k-out-</a:t>
+            </a:r>
+            <a:r>
+              <a:rPr lang="de-CH" sz="1800" dirty="0" err="1"/>
+              <a:t>of</a:t>
+            </a:r>
+            <a:r>
+              <a:rPr lang="de-CH" sz="1800" dirty="0"/>
+              <a:t>-n </a:t>
+            </a:r>
+            <a:r>
+              <a:rPr lang="de-CH" sz="1800" dirty="0" err="1"/>
+              <a:t>Oblivious</a:t>
+            </a:r>
+            <a:r>
+              <a:rPr lang="de-CH" sz="1800" dirty="0"/>
+              <a:t> Transfer </a:t>
+            </a:r>
+            <a:r>
+              <a:rPr lang="de-CH" sz="1800" dirty="0" err="1"/>
+              <a:t>by</a:t>
+            </a:r>
+            <a:r>
+              <a:rPr lang="de-CH" sz="1800" dirty="0"/>
+              <a:t> Chu and </a:t>
+            </a:r>
+            <a:r>
+              <a:rPr lang="de-CH" sz="1800" dirty="0" err="1"/>
+              <a:t>Tzeng</a:t>
+            </a:r>
+            <a:endParaRPr lang="de-CH" sz="1800" dirty="0"/>
+          </a:p>
+          <a:p>
+            <a:pPr marL="285750" indent="-285750">
+              <a:buFont typeface="Arial" panose="020B0604020202020204" pitchFamily="34" charset="0"/>
+              <a:buChar char="•"/>
+            </a:pPr>
+            <a:r>
+              <a:rPr lang="de-CH" sz="1800" dirty="0" err="1"/>
+              <a:t>Multiplicative</a:t>
             </a:r>
             <a:r>
               <a:rPr lang="de-CH" sz="1800" dirty="0"/>
@@ -5465,17 +5167,150 @@
             </a:r>
             <a:r>
               <a:rPr lang="de-CH" sz="1800" dirty="0" err="1"/>
-              <a:t>approx</a:t>
+              <a:t>Homomorphic</a:t>
             </a:r>
             <a:r>
               <a:rPr lang="de-CH" sz="1800" dirty="0"/>
-              <a:t>. 60 </a:t>
-            </a:r>
+              <a:t> Encryption</a:t>
+            </a:r>
+          </a:p>
+          <a:p>
+            <a:pPr marL="285750" indent="-285750">
+              <a:buFont typeface="Arial" panose="020B0604020202020204" pitchFamily="34" charset="0"/>
+              <a:buChar char="•"/>
+            </a:pPr>
             <a:r>
               <a:rPr lang="de-CH" sz="1800" dirty="0" err="1"/>
-              <a:t>algorithms</a:t>
+              <a:t>Knuth’s</a:t>
+            </a:r>
+            <a:r>
+              <a:rPr lang="de-CH" sz="1800" dirty="0"/>
+              <a:t> </a:t>
+            </a:r>
+            <a:r>
+              <a:rPr lang="de-CH" sz="1800" dirty="0" err="1"/>
+              <a:t>shuffle</a:t>
+            </a:r>
+            <a:r>
+              <a:rPr lang="de-CH" sz="1800" dirty="0"/>
+              <a:t> </a:t>
+            </a:r>
+            <a:r>
+              <a:rPr lang="de-CH" sz="1800" dirty="0" err="1"/>
+              <a:t>algorithm</a:t>
             </a:r>
             <a:endParaRPr lang="de-CH" sz="1800" dirty="0"/>
+          </a:p>
+          <a:p>
+            <a:pPr marL="285750" indent="-285750">
+              <a:buFont typeface="Arial" panose="020B0604020202020204" pitchFamily="34" charset="0"/>
+              <a:buChar char="•"/>
+            </a:pPr>
+            <a:r>
+              <a:rPr lang="de-CH" sz="1800" dirty="0"/>
+              <a:t>Re-Encryption Mix-Nets</a:t>
+            </a:r>
+          </a:p>
+          <a:p>
+            <a:pPr marL="285750" indent="-285750">
+              <a:buFont typeface="Arial" panose="020B0604020202020204" pitchFamily="34" charset="0"/>
+              <a:buChar char="•"/>
+            </a:pPr>
+            <a:r>
+              <a:rPr lang="de-CH" sz="1800" dirty="0"/>
+              <a:t>Pedersen </a:t>
+            </a:r>
+            <a:r>
+              <a:rPr lang="de-CH" sz="1800" dirty="0" err="1"/>
+              <a:t>Commitments</a:t>
+            </a:r>
+            <a:endParaRPr lang="de-CH" sz="1800" dirty="0"/>
+          </a:p>
+          <a:p>
+            <a:pPr marL="285750" indent="-285750">
+              <a:buFont typeface="Arial" panose="020B0604020202020204" pitchFamily="34" charset="0"/>
+              <a:buChar char="•"/>
+            </a:pPr>
+            <a:r>
+              <a:rPr lang="de-CH" sz="1800" dirty="0"/>
+              <a:t>Non-Interactive Zero-Knowledge Proofs</a:t>
+            </a:r>
+          </a:p>
+          <a:p>
+            <a:pPr marL="285750" indent="-285750">
+              <a:buFont typeface="Arial" panose="020B0604020202020204" pitchFamily="34" charset="0"/>
+              <a:buChar char="•"/>
+            </a:pPr>
+            <a:r>
+              <a:rPr lang="de-CH" sz="1800" dirty="0"/>
+              <a:t>Schnorr </a:t>
+            </a:r>
+            <a:r>
+              <a:rPr lang="de-CH" sz="1800" dirty="0" err="1"/>
+              <a:t>Signatures</a:t>
+            </a:r>
+            <a:endParaRPr lang="de-CH" sz="1800" dirty="0"/>
+          </a:p>
+          <a:p>
+            <a:pPr marL="285750" indent="-285750">
+              <a:buFont typeface="Arial" panose="020B0604020202020204" pitchFamily="34" charset="0"/>
+              <a:buChar char="•"/>
+            </a:pPr>
+            <a:r>
+              <a:rPr lang="de-CH" sz="1800" dirty="0" err="1"/>
+              <a:t>Wikström’s</a:t>
+            </a:r>
+            <a:r>
+              <a:rPr lang="de-CH" sz="1800" dirty="0"/>
+              <a:t> Shuffle Proof</a:t>
+            </a:r>
+          </a:p>
+          <a:p>
+            <a:pPr marL="285750" indent="-285750">
+              <a:buFont typeface="Arial" panose="020B0604020202020204" pitchFamily="34" charset="0"/>
+              <a:buChar char="•"/>
+            </a:pPr>
+            <a:r>
+              <a:rPr lang="de-CH" sz="1800" dirty="0"/>
+              <a:t>Lagrange </a:t>
+            </a:r>
+            <a:r>
+              <a:rPr lang="de-CH" sz="1800" dirty="0" err="1"/>
+              <a:t>Interpolating</a:t>
+            </a:r>
+            <a:r>
+              <a:rPr lang="de-CH" sz="1800" dirty="0"/>
+              <a:t> </a:t>
+            </a:r>
+            <a:r>
+              <a:rPr lang="de-CH" sz="1800" dirty="0" err="1"/>
+              <a:t>Polynomials</a:t>
+            </a:r>
+            <a:endParaRPr lang="de-CH" sz="1800" dirty="0"/>
+          </a:p>
+          <a:p>
+            <a:pPr marL="285750" indent="-285750">
+              <a:buFont typeface="Arial" panose="020B0604020202020204" pitchFamily="34" charset="0"/>
+              <a:buChar char="•"/>
+            </a:pPr>
+            <a:r>
+              <a:rPr lang="de-CH" sz="1800" dirty="0" err="1"/>
+              <a:t>Shared</a:t>
+            </a:r>
+            <a:r>
+              <a:rPr lang="de-CH" sz="1800" dirty="0"/>
+              <a:t> Key Pairs</a:t>
+            </a:r>
+          </a:p>
+          <a:p>
+            <a:pPr marL="285750" indent="-285750">
+              <a:buFont typeface="Arial" panose="020B0604020202020204" pitchFamily="34" charset="0"/>
+              <a:buChar char="•"/>
+            </a:pPr>
+            <a:r>
+              <a:rPr lang="de-CH" sz="1800" dirty="0"/>
+              <a:t>…</a:t>
+            </a:r>
           </a:p>
           <a:p>
             <a:pPr marL="285750" indent="-285750">
@@ -5529,7 +5364,7 @@
 </p:sld>
 </file>
 
-<file path=ppt/slides/slide6.xml><?xml version="1.0" encoding="utf-8"?>
+<file path=ppt/slides/slide5.xml><?xml version="1.0" encoding="utf-8"?>
 <p:sld xmlns:a="http://schemas.openxmlformats.org/drawingml/2006/main" xmlns:r="http://schemas.openxmlformats.org/officeDocument/2006/relationships" xmlns:p="http://schemas.openxmlformats.org/presentationml/2006/main">
   <p:cSld>
     <p:spTree>
@@ -5548,33 +5383,6 @@
       </p:grpSpPr>
       <p:sp>
         <p:nvSpPr>
-          <p:cNvPr id="3" name="Content Placeholder 2"/>
-          <p:cNvSpPr>
-            <a:spLocks noGrp="1"/>
-          </p:cNvSpPr>
-          <p:nvPr>
-            <p:ph idx="1"/>
-          </p:nvPr>
-        </p:nvSpPr>
-        <p:spPr>
-          <a:xfrm>
-            <a:off x="457200" y="1600201"/>
-            <a:ext cx="8229600" cy="460648"/>
-          </a:xfrm>
-        </p:spPr>
-        <p:txBody>
-          <a:bodyPr/>
-          <a:lstStyle/>
-          <a:p>
-            <a:r>
-              <a:rPr lang="de-CH" b="1" dirty="0"/>
-              <a:t>Educational Problem</a:t>
-            </a:r>
-          </a:p>
-        </p:txBody>
-      </p:sp>
-      <p:sp>
-        <p:nvSpPr>
           <p:cNvPr id="7" name="Content Placeholder 3">
             <a:extLst>
               <a:ext uri="{FF2B5EF4-FFF2-40B4-BE49-F238E27FC236}">
@@ -5591,59 +5399,18 @@
         </p:nvSpPr>
         <p:spPr>
           <a:xfrm>
-            <a:off x="467544" y="2276872"/>
-            <a:ext cx="8229600" cy="3600400"/>
+            <a:off x="357647" y="2276872"/>
+            <a:ext cx="8640960" cy="3600400"/>
           </a:xfrm>
         </p:spPr>
         <p:txBody>
           <a:bodyPr/>
           <a:lstStyle/>
           <a:p>
-            <a:pPr marL="285750" indent="-285750">
-              <a:buFont typeface="Arial" panose="020B0604020202020204" pitchFamily="34" charset="0"/>
-              <a:buChar char="•"/>
-            </a:pPr>
-            <a:r>
-              <a:rPr lang="de-CH" sz="1800" dirty="0"/>
-              <a:t>E-Voting </a:t>
-            </a:r>
-            <a:r>
-              <a:rPr lang="de-CH" sz="1800" dirty="0" err="1"/>
-              <a:t>is</a:t>
-            </a:r>
-            <a:r>
-              <a:rPr lang="de-CH" sz="1800" dirty="0"/>
-              <a:t> </a:t>
-            </a:r>
-            <a:r>
-              <a:rPr lang="de-CH" sz="1800" dirty="0" err="1"/>
-              <a:t>difficult</a:t>
-            </a:r>
-            <a:r>
-              <a:rPr lang="de-CH" sz="1800" dirty="0"/>
-              <a:t> </a:t>
-            </a:r>
-            <a:r>
-              <a:rPr lang="de-CH" sz="1800" dirty="0" err="1"/>
-              <a:t>to</a:t>
-            </a:r>
-            <a:r>
-              <a:rPr lang="de-CH" sz="1800" dirty="0"/>
-              <a:t> </a:t>
-            </a:r>
-            <a:r>
-              <a:rPr lang="de-CH" sz="1800" dirty="0" err="1"/>
-              <a:t>understand</a:t>
-            </a:r>
-            <a:r>
-              <a:rPr lang="de-CH" sz="1800" dirty="0"/>
-              <a:t> / </a:t>
-            </a:r>
-            <a:r>
-              <a:rPr lang="de-CH" sz="1800" dirty="0" err="1"/>
-              <a:t>explain</a:t>
-            </a:r>
-            <a:endParaRPr lang="de-CH" sz="1800" dirty="0"/>
+            <a:r>
+              <a:rPr lang="de-CH" sz="2800" dirty="0"/>
+              <a:t>E-Voting ist schwierig zu verstehen und zu erklären</a:t>
+            </a:r>
           </a:p>
           <a:p>
             <a:pPr marL="285750" indent="-285750">
@@ -5828,12 +5595,8 @@
           </a:lstStyle>
           <a:p>
             <a:r>
-              <a:rPr lang="de-CH" b="1" dirty="0" err="1"/>
-              <a:t>Our</a:t>
-            </a:r>
-            <a:r>
               <a:rPr lang="de-CH" b="1" dirty="0"/>
-              <a:t> Task / Goal</a:t>
+              <a:t>Daher unsere Aufgabenstellung:</a:t>
             </a:r>
           </a:p>
         </p:txBody>
@@ -5854,8 +5617,8 @@
         </p:nvSpPr>
         <p:spPr>
           <a:xfrm>
-            <a:off x="463774" y="4509120"/>
-            <a:ext cx="8428706" cy="3600400"/>
+            <a:off x="251521" y="4509120"/>
+            <a:ext cx="8640959" cy="3600400"/>
           </a:xfrm>
           <a:prstGeom prst="rect">
             <a:avLst/>
@@ -6004,219 +5767,86 @@
             </a:lvl9pPr>
           </a:lstStyle>
           <a:p>
+            <a:r>
+              <a:rPr lang="de-CH" sz="1800" dirty="0"/>
+              <a:t>Das Protokoll «</a:t>
+            </a:r>
+            <a:r>
+              <a:rPr lang="de-CH" sz="1800" dirty="0" err="1"/>
+              <a:t>CHVote</a:t>
+            </a:r>
+            <a:r>
+              <a:rPr lang="de-CH" sz="1800" dirty="0"/>
+              <a:t>» mittels einer interaktiven Applikation zu visualisieren</a:t>
+            </a:r>
+            <a:endParaRPr lang="de-CH" sz="1800" dirty="0">
+              <a:solidFill>
+                <a:schemeClr val="tx1"/>
+              </a:solidFill>
+              <a:latin typeface="+mn-lt"/>
+              <a:cs typeface="+mn-cs"/>
+            </a:endParaRPr>
+          </a:p>
+          <a:p>
             <a:pPr marL="285750" indent="-285750">
               <a:buFont typeface="Arial" pitchFamily="34" charset="0"/>
               <a:buChar char="•"/>
             </a:pPr>
-            <a:r>
-              <a:rPr lang="de-CH" sz="1800" dirty="0" err="1"/>
-              <a:t>Implementing</a:t>
-            </a:r>
-            <a:r>
-              <a:rPr lang="de-CH" sz="1800" dirty="0"/>
-              <a:t> a </a:t>
-            </a:r>
-            <a:r>
-              <a:rPr lang="de-CH" sz="1800" dirty="0" err="1"/>
-              <a:t>software</a:t>
-            </a:r>
-            <a:r>
-              <a:rPr lang="de-CH" sz="1800" dirty="0"/>
-              <a:t> </a:t>
-            </a:r>
-            <a:r>
-              <a:rPr lang="de-CH" sz="1800" dirty="0" err="1"/>
-              <a:t>that</a:t>
-            </a:r>
-            <a:r>
-              <a:rPr lang="de-CH" sz="1800" dirty="0"/>
-              <a:t> </a:t>
-            </a:r>
-            <a:r>
-              <a:rPr lang="de-CH" sz="1800" dirty="0" err="1"/>
-              <a:t>allows</a:t>
-            </a:r>
-            <a:r>
-              <a:rPr lang="de-CH" sz="1800" dirty="0"/>
-              <a:t> </a:t>
-            </a:r>
-            <a:r>
-              <a:rPr lang="de-CH" sz="1800" dirty="0" err="1"/>
-              <a:t>to</a:t>
-            </a:r>
-            <a:r>
-              <a:rPr lang="de-CH" sz="1800" dirty="0"/>
-              <a:t> </a:t>
-            </a:r>
-            <a:r>
-              <a:rPr lang="de-CH" sz="1800" dirty="0" err="1"/>
-              <a:t>visualize</a:t>
-            </a:r>
-            <a:r>
-              <a:rPr lang="de-CH" sz="1800" dirty="0"/>
-              <a:t> an e-</a:t>
-            </a:r>
-            <a:r>
-              <a:rPr lang="de-CH" sz="1800" dirty="0" err="1"/>
-              <a:t>voting</a:t>
-            </a:r>
-            <a:r>
-              <a:rPr lang="de-CH" sz="1800" dirty="0"/>
-              <a:t> </a:t>
-            </a:r>
-            <a:r>
-              <a:rPr lang="de-CH" sz="1800" dirty="0" err="1"/>
-              <a:t>system</a:t>
-            </a:r>
-            <a:r>
-              <a:rPr lang="de-CH" sz="1800" dirty="0"/>
-              <a:t> </a:t>
-            </a:r>
-            <a:r>
-              <a:rPr lang="de-CH" sz="1800" dirty="0" err="1"/>
-              <a:t>based</a:t>
-            </a:r>
-            <a:r>
-              <a:rPr lang="de-CH" sz="1800" dirty="0"/>
-              <a:t> on </a:t>
-            </a:r>
-            <a:r>
-              <a:rPr lang="de-CH" sz="1800" dirty="0" err="1"/>
-              <a:t>the</a:t>
-            </a:r>
-            <a:r>
-              <a:rPr lang="de-CH" sz="1800" dirty="0"/>
-              <a:t> </a:t>
-            </a:r>
-            <a:r>
-              <a:rPr lang="de-CH" sz="1800" dirty="0" err="1"/>
-              <a:t>CHVote</a:t>
-            </a:r>
-            <a:r>
-              <a:rPr lang="de-CH" sz="1800" dirty="0"/>
-              <a:t> </a:t>
-            </a:r>
-            <a:r>
-              <a:rPr lang="de-CH" sz="1800" dirty="0" err="1"/>
-              <a:t>specifications</a:t>
-            </a:r>
-            <a:endParaRPr lang="de-CH" sz="1800" dirty="0"/>
-          </a:p>
-          <a:p>
-            <a:pPr marL="285750" indent="-285750">
+            <a:endParaRPr lang="de-CH" sz="1800" dirty="0">
+              <a:solidFill>
+                <a:schemeClr val="tx1"/>
+              </a:solidFill>
+              <a:latin typeface="+mn-lt"/>
+              <a:cs typeface="+mn-cs"/>
+            </a:endParaRPr>
+          </a:p>
+          <a:p>
+            <a:r>
+              <a:rPr lang="de-CH" sz="1800" dirty="0">
+                <a:solidFill>
+                  <a:schemeClr val="tx1">
+                    <a:lumMod val="75000"/>
+                    <a:lumOff val="25000"/>
+                  </a:schemeClr>
+                </a:solidFill>
+                <a:latin typeface="Arial" pitchFamily="34" charset="0"/>
+                <a:cs typeface="Arial" pitchFamily="34" charset="0"/>
+              </a:rPr>
+              <a:t>Real-time </a:t>
+            </a:r>
+            <a:r>
+              <a:rPr lang="de-CH" sz="1800" dirty="0" err="1">
+                <a:solidFill>
+                  <a:schemeClr val="tx1">
+                    <a:lumMod val="75000"/>
+                    <a:lumOff val="25000"/>
+                  </a:schemeClr>
+                </a:solidFill>
+                <a:latin typeface="Arial" pitchFamily="34" charset="0"/>
+                <a:cs typeface="Arial" pitchFamily="34" charset="0"/>
+              </a:rPr>
+              <a:t>updates</a:t>
+            </a:r>
+            <a:r>
+              <a:rPr lang="de-CH" sz="1800" dirty="0">
+                <a:solidFill>
+                  <a:schemeClr val="tx1">
+                    <a:lumMod val="75000"/>
+                    <a:lumOff val="25000"/>
+                  </a:schemeClr>
+                </a:solidFill>
+                <a:latin typeface="Arial" pitchFamily="34" charset="0"/>
+                <a:cs typeface="Arial" pitchFamily="34" charset="0"/>
+              </a:rPr>
+              <a:t>, separate View für jeden Akteur,  </a:t>
+            </a:r>
+          </a:p>
+          <a:p>
+            <a:pPr marL="1028700" lvl="1">
               <a:buFont typeface="Arial" pitchFamily="34" charset="0"/>
               <a:buChar char="•"/>
             </a:pPr>
-            <a:r>
-              <a:rPr lang="de-CH" sz="1800" dirty="0" err="1"/>
-              <a:t>Webbased</a:t>
-            </a:r>
-            <a:r>
-              <a:rPr lang="de-CH" sz="1800" dirty="0"/>
-              <a:t> </a:t>
-            </a:r>
-            <a:r>
-              <a:rPr lang="de-CH" sz="1800" dirty="0" err="1"/>
-              <a:t>application</a:t>
-            </a:r>
-            <a:r>
-              <a:rPr lang="de-CH" sz="1800" dirty="0"/>
-              <a:t> </a:t>
-            </a:r>
-            <a:r>
-              <a:rPr lang="de-CH" sz="1800" dirty="0" err="1"/>
-              <a:t>with</a:t>
-            </a:r>
-            <a:r>
-              <a:rPr lang="de-CH" sz="1800" dirty="0"/>
-              <a:t> real-Time </a:t>
-            </a:r>
-            <a:r>
-              <a:rPr lang="de-CH" sz="1800" dirty="0" err="1"/>
-              <a:t>updates</a:t>
-            </a:r>
-            <a:r>
-              <a:rPr lang="de-CH" sz="1800" dirty="0"/>
-              <a:t> (web </a:t>
-            </a:r>
-            <a:r>
-              <a:rPr lang="de-CH" sz="1800" dirty="0" err="1"/>
-              <a:t>sockets</a:t>
-            </a:r>
-            <a:r>
-              <a:rPr lang="de-CH" sz="1800" dirty="0"/>
-              <a:t>)</a:t>
-            </a:r>
-          </a:p>
-          <a:p>
-            <a:pPr marL="285750" indent="-285750">
-              <a:buFont typeface="Arial" pitchFamily="34" charset="0"/>
-              <a:buChar char="•"/>
-            </a:pPr>
-            <a:r>
-              <a:rPr lang="de-CH" sz="1800" dirty="0"/>
-              <a:t>Separate </a:t>
-            </a:r>
-            <a:r>
-              <a:rPr lang="de-CH" sz="1800" dirty="0" err="1"/>
-              <a:t>views</a:t>
-            </a:r>
-            <a:r>
-              <a:rPr lang="de-CH" sz="1800" dirty="0"/>
-              <a:t> </a:t>
-            </a:r>
-            <a:r>
-              <a:rPr lang="de-CH" sz="1800" dirty="0" err="1"/>
-              <a:t>for</a:t>
-            </a:r>
-            <a:r>
-              <a:rPr lang="de-CH" sz="1800" dirty="0"/>
-              <a:t> </a:t>
-            </a:r>
-            <a:r>
-              <a:rPr lang="de-CH" sz="1800" dirty="0" err="1"/>
-              <a:t>every</a:t>
-            </a:r>
-            <a:r>
-              <a:rPr lang="de-CH" sz="1800" dirty="0"/>
-              <a:t> </a:t>
-            </a:r>
-            <a:r>
-              <a:rPr lang="de-CH" sz="1800" dirty="0" err="1"/>
-              <a:t>actor</a:t>
-            </a:r>
-            <a:r>
-              <a:rPr lang="de-CH" sz="1800" dirty="0"/>
-              <a:t> </a:t>
-            </a:r>
-            <a:r>
-              <a:rPr lang="de-CH" sz="1800" dirty="0" err="1"/>
-              <a:t>of</a:t>
-            </a:r>
-            <a:r>
-              <a:rPr lang="de-CH" sz="1800" dirty="0"/>
-              <a:t> </a:t>
-            </a:r>
-            <a:r>
-              <a:rPr lang="de-CH" sz="1800" dirty="0" err="1"/>
-              <a:t>the</a:t>
-            </a:r>
-            <a:r>
-              <a:rPr lang="de-CH" sz="1800" dirty="0"/>
-              <a:t> </a:t>
-            </a:r>
-            <a:r>
-              <a:rPr lang="de-CH" sz="1800" dirty="0" err="1"/>
-              <a:t>protocol</a:t>
-            </a:r>
-            <a:endParaRPr lang="de-CH" sz="1800" dirty="0"/>
-          </a:p>
-          <a:p>
-            <a:pPr marL="285750" indent="-285750">
-              <a:buFont typeface="Arial" pitchFamily="34" charset="0"/>
-              <a:buChar char="•"/>
-            </a:pPr>
-            <a:endParaRPr lang="de-CH" sz="1800" dirty="0"/>
+            <a:endParaRPr lang="de-CH" sz="3200" dirty="0"/>
           </a:p>
           <a:p>
             <a:pPr marL="285750" indent="-285750">

--- a/docs/Presentation.pptx
+++ b/docs/Presentation.pptx
@@ -373,7 +373,7 @@
           <a:p>
             <a:fld id="{22D9CFA9-FAAC-43BF-87F9-CA26B79F9462}" type="datetimeFigureOut">
               <a:rPr lang="de-CH" smtClean="0"/>
-              <a:t>12.01.2018</a:t>
+              <a:t>13.01.2018</a:t>
             </a:fld>
             <a:endParaRPr lang="de-CH"/>
           </a:p>
@@ -719,7 +719,7 @@
           <a:p>
             <a:fld id="{18DCCD61-643D-44A5-A450-3A42A50CBC1E}" type="datetimeFigureOut">
               <a:rPr lang="en-US" smtClean="0"/>
-              <a:t>1/12/2018</a:t>
+              <a:t>1/13/2018</a:t>
             </a:fld>
             <a:endParaRPr lang="en-US"/>
           </a:p>
@@ -994,7 +994,7 @@
           <a:p>
             <a:fld id="{18DCCD61-643D-44A5-A450-3A42A50CBC1E}" type="datetimeFigureOut">
               <a:rPr lang="en-US" smtClean="0"/>
-              <a:t>1/12/2018</a:t>
+              <a:t>1/13/2018</a:t>
             </a:fld>
             <a:endParaRPr lang="en-US"/>
           </a:p>
@@ -1246,7 +1246,7 @@
           <a:p>
             <a:fld id="{18DCCD61-643D-44A5-A450-3A42A50CBC1E}" type="datetimeFigureOut">
               <a:rPr lang="en-US" smtClean="0"/>
-              <a:t>1/12/2018</a:t>
+              <a:t>1/13/2018</a:t>
             </a:fld>
             <a:endParaRPr lang="en-US"/>
           </a:p>
@@ -1414,7 +1414,7 @@
           <a:p>
             <a:fld id="{18DCCD61-643D-44A5-A450-3A42A50CBC1E}" type="datetimeFigureOut">
               <a:rPr lang="en-US" smtClean="0"/>
-              <a:t>1/12/2018</a:t>
+              <a:t>1/13/2018</a:t>
             </a:fld>
             <a:endParaRPr lang="en-US"/>
           </a:p>
@@ -1592,7 +1592,7 @@
           <a:p>
             <a:fld id="{18DCCD61-643D-44A5-A450-3A42A50CBC1E}" type="datetimeFigureOut">
               <a:rPr lang="en-US" smtClean="0"/>
-              <a:t>1/12/2018</a:t>
+              <a:t>1/13/2018</a:t>
             </a:fld>
             <a:endParaRPr lang="en-US"/>
           </a:p>
@@ -2208,7 +2208,7 @@
           <a:p>
             <a:fld id="{18DCCD61-643D-44A5-A450-3A42A50CBC1E}" type="datetimeFigureOut">
               <a:rPr lang="en-US" smtClean="0"/>
-              <a:t>1/12/2018</a:t>
+              <a:t>1/13/2018</a:t>
             </a:fld>
             <a:endParaRPr lang="en-US"/>
           </a:p>
@@ -2376,7 +2376,7 @@
           <a:p>
             <a:fld id="{18DCCD61-643D-44A5-A450-3A42A50CBC1E}" type="datetimeFigureOut">
               <a:rPr lang="en-US" smtClean="0"/>
-              <a:t>1/12/2018</a:t>
+              <a:t>1/13/2018</a:t>
             </a:fld>
             <a:endParaRPr lang="en-US"/>
           </a:p>
@@ -2621,7 +2621,7 @@
           <a:p>
             <a:fld id="{18DCCD61-643D-44A5-A450-3A42A50CBC1E}" type="datetimeFigureOut">
               <a:rPr lang="en-US" smtClean="0"/>
-              <a:t>1/12/2018</a:t>
+              <a:t>1/13/2018</a:t>
             </a:fld>
             <a:endParaRPr lang="en-US"/>
           </a:p>
@@ -2906,7 +2906,7 @@
           <a:p>
             <a:fld id="{18DCCD61-643D-44A5-A450-3A42A50CBC1E}" type="datetimeFigureOut">
               <a:rPr lang="en-US" smtClean="0"/>
-              <a:t>1/12/2018</a:t>
+              <a:t>1/13/2018</a:t>
             </a:fld>
             <a:endParaRPr lang="en-US"/>
           </a:p>
@@ -3325,7 +3325,7 @@
           <a:p>
             <a:fld id="{18DCCD61-643D-44A5-A450-3A42A50CBC1E}" type="datetimeFigureOut">
               <a:rPr lang="en-US" smtClean="0"/>
-              <a:t>1/12/2018</a:t>
+              <a:t>1/13/2018</a:t>
             </a:fld>
             <a:endParaRPr lang="en-US"/>
           </a:p>
@@ -3442,7 +3442,7 @@
           <a:p>
             <a:fld id="{18DCCD61-643D-44A5-A450-3A42A50CBC1E}" type="datetimeFigureOut">
               <a:rPr lang="en-US" smtClean="0"/>
-              <a:t>1/12/2018</a:t>
+              <a:t>1/13/2018</a:t>
             </a:fld>
             <a:endParaRPr lang="en-US"/>
           </a:p>
@@ -3944,7 +3944,7 @@
           <a:p>
             <a:fld id="{18DCCD61-643D-44A5-A450-3A42A50CBC1E}" type="datetimeFigureOut">
               <a:rPr lang="en-US" smtClean="0"/>
-              <a:t>1/12/2018</a:t>
+              <a:t>1/13/2018</a:t>
             </a:fld>
             <a:endParaRPr lang="en-US"/>
           </a:p>
@@ -4732,34 +4732,36 @@
       </p:sp>
       <p:sp>
         <p:nvSpPr>
-          <p:cNvPr id="4" name="Content Placeholder 3"/>
-          <p:cNvSpPr>
-            <a:spLocks noGrp="1"/>
-          </p:cNvSpPr>
-          <p:nvPr>
-            <p:ph idx="10"/>
-          </p:nvPr>
-        </p:nvSpPr>
-        <p:spPr/>
-        <p:txBody>
-          <a:bodyPr/>
+          <p:cNvPr id="2" name="Rechteck 1">
+            <a:extLst>
+              <a:ext uri="{FF2B5EF4-FFF2-40B4-BE49-F238E27FC236}">
+                <a16:creationId xmlns:a16="http://schemas.microsoft.com/office/drawing/2014/main" id="{8C6E5000-A8CF-43BD-9412-06A573A121D5}"/>
+              </a:ext>
+            </a:extLst>
+          </p:cNvPr>
+          <p:cNvSpPr/>
+          <p:nvPr/>
+        </p:nvSpPr>
+        <p:spPr>
+          <a:xfrm>
+            <a:off x="3757996" y="3941219"/>
+            <a:ext cx="1772024" cy="369332"/>
+          </a:xfrm>
+          <a:prstGeom prst="rect">
+            <a:avLst/>
+          </a:prstGeom>
+        </p:spPr>
+        <p:txBody>
+          <a:bodyPr wrap="none">
+            <a:spAutoFit/>
+          </a:bodyPr>
           <a:lstStyle/>
           <a:p>
-            <a:pPr marL="285750" indent="-285750">
-              <a:buFont typeface="Arial" panose="020B0604020202020204" pitchFamily="34" charset="0"/>
-              <a:buChar char="•"/>
-            </a:pPr>
-            <a:r>
-              <a:rPr lang="de-CH" sz="1800" dirty="0"/>
-              <a:t>Schutz der Privatsphäre ist nur eine Anforderung</a:t>
-            </a:r>
-          </a:p>
-          <a:p>
-            <a:pPr marL="285750" indent="-285750">
-              <a:buFont typeface="Arial" panose="020B0604020202020204" pitchFamily="34" charset="0"/>
-              <a:buChar char="•"/>
-            </a:pPr>
-            <a:endParaRPr lang="de-CH" sz="1800" dirty="0">
+            <a:r>
+              <a:rPr lang="de-CH" dirty="0"/>
+              <a:t>Wahlgeheimnis</a:t>
+            </a:r>
+            <a:endParaRPr lang="de-CH" dirty="0">
               <a:solidFill>
                 <a:schemeClr val="tx1">
                   <a:lumMod val="75000"/>
@@ -4770,13 +4772,203 @@
               <a:cs typeface="Arial" pitchFamily="34" charset="0"/>
             </a:endParaRPr>
           </a:p>
-          <a:p>
-            <a:pPr marL="285750" indent="-285750">
-              <a:buFont typeface="Arial" panose="020B0604020202020204" pitchFamily="34" charset="0"/>
-              <a:buChar char="•"/>
-            </a:pPr>
-            <a:r>
-              <a:rPr lang="de-CH" sz="1800" dirty="0">
+        </p:txBody>
+      </p:sp>
+      <p:sp>
+        <p:nvSpPr>
+          <p:cNvPr id="5" name="Rechteck 4">
+            <a:extLst>
+              <a:ext uri="{FF2B5EF4-FFF2-40B4-BE49-F238E27FC236}">
+                <a16:creationId xmlns:a16="http://schemas.microsoft.com/office/drawing/2014/main" id="{B8297E08-EDB2-4881-BA69-72D482E7AADE}"/>
+              </a:ext>
+            </a:extLst>
+          </p:cNvPr>
+          <p:cNvSpPr/>
+          <p:nvPr/>
+        </p:nvSpPr>
+        <p:spPr>
+          <a:xfrm>
+            <a:off x="2699792" y="5157192"/>
+            <a:ext cx="1338828" cy="369332"/>
+          </a:xfrm>
+          <a:prstGeom prst="rect">
+            <a:avLst/>
+          </a:prstGeom>
+        </p:spPr>
+        <p:txBody>
+          <a:bodyPr wrap="none">
+            <a:spAutoFit/>
+          </a:bodyPr>
+          <a:lstStyle/>
+          <a:p>
+            <a:r>
+              <a:rPr lang="de-CH" dirty="0">
+                <a:solidFill>
+                  <a:schemeClr val="tx1">
+                    <a:lumMod val="75000"/>
+                    <a:lumOff val="25000"/>
+                  </a:schemeClr>
+                </a:solidFill>
+                <a:latin typeface="Arial" pitchFamily="34" charset="0"/>
+                <a:cs typeface="Arial" pitchFamily="34" charset="0"/>
+              </a:rPr>
+              <a:t>Anonymität</a:t>
+            </a:r>
+            <a:endParaRPr lang="de-CH" dirty="0"/>
+          </a:p>
+        </p:txBody>
+      </p:sp>
+      <p:sp>
+        <p:nvSpPr>
+          <p:cNvPr id="6" name="Rechteck 5">
+            <a:extLst>
+              <a:ext uri="{FF2B5EF4-FFF2-40B4-BE49-F238E27FC236}">
+                <a16:creationId xmlns:a16="http://schemas.microsoft.com/office/drawing/2014/main" id="{19305F55-6C7C-4D3D-B119-B84DA95E73C9}"/>
+              </a:ext>
+            </a:extLst>
+          </p:cNvPr>
+          <p:cNvSpPr/>
+          <p:nvPr/>
+        </p:nvSpPr>
+        <p:spPr>
+          <a:xfrm>
+            <a:off x="5717086" y="5257688"/>
+            <a:ext cx="1454244" cy="369332"/>
+          </a:xfrm>
+          <a:prstGeom prst="rect">
+            <a:avLst/>
+          </a:prstGeom>
+        </p:spPr>
+        <p:txBody>
+          <a:bodyPr wrap="none">
+            <a:spAutoFit/>
+          </a:bodyPr>
+          <a:lstStyle/>
+          <a:p>
+            <a:r>
+              <a:rPr lang="de-CH" dirty="0">
+                <a:solidFill>
+                  <a:schemeClr val="tx1">
+                    <a:lumMod val="75000"/>
+                    <a:lumOff val="25000"/>
+                  </a:schemeClr>
+                </a:solidFill>
+                <a:latin typeface="Arial" pitchFamily="34" charset="0"/>
+                <a:cs typeface="Arial" pitchFamily="34" charset="0"/>
+              </a:rPr>
+              <a:t>Authentizität</a:t>
+            </a:r>
+            <a:endParaRPr lang="de-CH" dirty="0"/>
+          </a:p>
+        </p:txBody>
+      </p:sp>
+      <p:sp>
+        <p:nvSpPr>
+          <p:cNvPr id="7" name="Rechteck 6">
+            <a:extLst>
+              <a:ext uri="{FF2B5EF4-FFF2-40B4-BE49-F238E27FC236}">
+                <a16:creationId xmlns:a16="http://schemas.microsoft.com/office/drawing/2014/main" id="{80053207-2D21-4973-A9FE-52ADED45CBEF}"/>
+              </a:ext>
+            </a:extLst>
+          </p:cNvPr>
+          <p:cNvSpPr/>
+          <p:nvPr/>
+        </p:nvSpPr>
+        <p:spPr>
+          <a:xfrm>
+            <a:off x="3203848" y="2577770"/>
+            <a:ext cx="2035557" cy="369332"/>
+          </a:xfrm>
+          <a:prstGeom prst="rect">
+            <a:avLst/>
+          </a:prstGeom>
+        </p:spPr>
+        <p:txBody>
+          <a:bodyPr wrap="none">
+            <a:spAutoFit/>
+          </a:bodyPr>
+          <a:lstStyle/>
+          <a:p>
+            <a:r>
+              <a:rPr lang="de-CH" dirty="0">
+                <a:solidFill>
+                  <a:schemeClr val="tx1">
+                    <a:lumMod val="75000"/>
+                    <a:lumOff val="25000"/>
+                  </a:schemeClr>
+                </a:solidFill>
+                <a:latin typeface="Arial" pitchFamily="34" charset="0"/>
+                <a:cs typeface="Arial" pitchFamily="34" charset="0"/>
+              </a:rPr>
+              <a:t>Wahlberechtigung</a:t>
+            </a:r>
+            <a:endParaRPr lang="de-CH" dirty="0"/>
+          </a:p>
+        </p:txBody>
+      </p:sp>
+      <p:sp>
+        <p:nvSpPr>
+          <p:cNvPr id="8" name="Rechteck 7">
+            <a:extLst>
+              <a:ext uri="{FF2B5EF4-FFF2-40B4-BE49-F238E27FC236}">
+                <a16:creationId xmlns:a16="http://schemas.microsoft.com/office/drawing/2014/main" id="{0CEB179D-DA5D-418B-BDCB-8C16ACE45A39}"/>
+              </a:ext>
+            </a:extLst>
+          </p:cNvPr>
+          <p:cNvSpPr/>
+          <p:nvPr/>
+        </p:nvSpPr>
+        <p:spPr>
+          <a:xfrm>
+            <a:off x="6084168" y="3121092"/>
+            <a:ext cx="1783052" cy="369332"/>
+          </a:xfrm>
+          <a:prstGeom prst="rect">
+            <a:avLst/>
+          </a:prstGeom>
+        </p:spPr>
+        <p:txBody>
+          <a:bodyPr wrap="none">
+            <a:spAutoFit/>
+          </a:bodyPr>
+          <a:lstStyle/>
+          <a:p>
+            <a:r>
+              <a:rPr lang="de-CH" dirty="0"/>
+              <a:t>Verifizierbarkeit</a:t>
+            </a:r>
+          </a:p>
+        </p:txBody>
+      </p:sp>
+      <p:sp>
+        <p:nvSpPr>
+          <p:cNvPr id="9" name="Rechteck 8">
+            <a:extLst>
+              <a:ext uri="{FF2B5EF4-FFF2-40B4-BE49-F238E27FC236}">
+                <a16:creationId xmlns:a16="http://schemas.microsoft.com/office/drawing/2014/main" id="{14EA5C00-0439-40A7-BE5D-7B3E577991A5}"/>
+              </a:ext>
+            </a:extLst>
+          </p:cNvPr>
+          <p:cNvSpPr/>
+          <p:nvPr/>
+        </p:nvSpPr>
+        <p:spPr>
+          <a:xfrm>
+            <a:off x="1259632" y="3756553"/>
+            <a:ext cx="1082348" cy="369332"/>
+          </a:xfrm>
+          <a:prstGeom prst="rect">
+            <a:avLst/>
+          </a:prstGeom>
+        </p:spPr>
+        <p:txBody>
+          <a:bodyPr wrap="none">
+            <a:spAutoFit/>
+          </a:bodyPr>
+          <a:lstStyle/>
+          <a:p>
+            <a:r>
+              <a:rPr lang="de-CH" dirty="0">
                 <a:solidFill>
                   <a:schemeClr val="tx1">
                     <a:lumMod val="75000"/>
@@ -4788,87 +4980,7 @@
               </a:rPr>
               <a:t>Integrität</a:t>
             </a:r>
-          </a:p>
-          <a:p>
-            <a:pPr marL="285750" indent="-285750">
-              <a:buFont typeface="Arial" panose="020B0604020202020204" pitchFamily="34" charset="0"/>
-              <a:buChar char="•"/>
-            </a:pPr>
-            <a:r>
-              <a:rPr lang="de-CH" sz="1800" dirty="0">
-                <a:solidFill>
-                  <a:schemeClr val="tx1">
-                    <a:lumMod val="75000"/>
-                    <a:lumOff val="25000"/>
-                  </a:schemeClr>
-                </a:solidFill>
-                <a:latin typeface="Arial" pitchFamily="34" charset="0"/>
-                <a:cs typeface="Arial" pitchFamily="34" charset="0"/>
-              </a:rPr>
-              <a:t>Anonymität</a:t>
-            </a:r>
-            <a:endParaRPr lang="de-CH" sz="1800" dirty="0"/>
-          </a:p>
-          <a:p>
-            <a:pPr marL="285750" indent="-285750">
-              <a:buFont typeface="Arial" panose="020B0604020202020204" pitchFamily="34" charset="0"/>
-              <a:buChar char="•"/>
-            </a:pPr>
-            <a:r>
-              <a:rPr lang="de-CH" sz="1800" dirty="0">
-                <a:solidFill>
-                  <a:schemeClr val="tx1">
-                    <a:lumMod val="75000"/>
-                    <a:lumOff val="25000"/>
-                  </a:schemeClr>
-                </a:solidFill>
-                <a:latin typeface="Arial" pitchFamily="34" charset="0"/>
-                <a:cs typeface="Arial" pitchFamily="34" charset="0"/>
-              </a:rPr>
-              <a:t>Authentizität</a:t>
-            </a:r>
-            <a:endParaRPr lang="de-CH" sz="1800" dirty="0"/>
-          </a:p>
-          <a:p>
-            <a:pPr marL="285750" indent="-285750">
-              <a:buFont typeface="Arial" panose="020B0604020202020204" pitchFamily="34" charset="0"/>
-              <a:buChar char="•"/>
-            </a:pPr>
-            <a:r>
-              <a:rPr lang="de-CH" sz="1800" dirty="0">
-                <a:solidFill>
-                  <a:schemeClr val="tx1">
-                    <a:lumMod val="75000"/>
-                    <a:lumOff val="25000"/>
-                  </a:schemeClr>
-                </a:solidFill>
-                <a:latin typeface="Arial" pitchFamily="34" charset="0"/>
-                <a:cs typeface="Arial" pitchFamily="34" charset="0"/>
-              </a:rPr>
-              <a:t>Wahlberechtigung</a:t>
-            </a:r>
-            <a:endParaRPr lang="de-CH" sz="1800" dirty="0"/>
-          </a:p>
-          <a:p>
-            <a:pPr marL="285750" indent="-285750">
-              <a:buFont typeface="Arial" panose="020B0604020202020204" pitchFamily="34" charset="0"/>
-              <a:buChar char="•"/>
-            </a:pPr>
-            <a:r>
-              <a:rPr lang="de-CH" sz="1800" dirty="0"/>
-              <a:t>Verifizierbarkeit</a:t>
-            </a:r>
-            <a:endParaRPr lang="de-CH" sz="3200" dirty="0"/>
-          </a:p>
-          <a:p>
-            <a:pPr marL="285750" indent="-285750">
-              <a:buFont typeface="Arial" panose="020B0604020202020204" pitchFamily="34" charset="0"/>
-              <a:buChar char="•"/>
-            </a:pPr>
-            <a:r>
-              <a:rPr lang="de-CH" sz="1800" dirty="0"/>
-              <a:t>…</a:t>
-            </a:r>
+            <a:endParaRPr lang="de-CH" dirty="0"/>
           </a:p>
         </p:txBody>
       </p:sp>
@@ -4948,18 +5060,18 @@
               <a:buChar char="-"/>
             </a:pPr>
             <a:r>
-              <a:rPr lang="de-CH" dirty="0"/>
+              <a:rPr lang="de-CH" sz="1800" dirty="0"/>
               <a:t>Entwicklung eines neuen E-Voting Protokolls durch das </a:t>
             </a:r>
             <a:r>
-              <a:rPr lang="en-US" b="1" dirty="0"/>
+              <a:rPr lang="en-US" sz="1800" b="1" dirty="0"/>
               <a:t>Institute for Security in the Information Society</a:t>
             </a:r>
             <a:r>
-              <a:rPr lang="en-US" dirty="0"/>
+              <a:rPr lang="en-US" sz="1800" dirty="0"/>
               <a:t> (RISIS) der BFH</a:t>
             </a:r>
-            <a:endParaRPr lang="de-CH" dirty="0"/>
+            <a:endParaRPr lang="de-CH" sz="1800" dirty="0"/>
           </a:p>
           <a:p>
             <a:pPr marL="285750" indent="-285750">
@@ -4967,9 +5079,30 @@
               <a:buChar char="-"/>
             </a:pPr>
             <a:r>
-              <a:rPr lang="de-CH" dirty="0"/>
-              <a:t>Veröffentlicht im Frühjahr 2017</a:t>
-            </a:r>
+              <a:rPr lang="de-CH" sz="1800" dirty="0"/>
+              <a:t>Rolf </a:t>
+            </a:r>
+            <a:r>
+              <a:rPr lang="de-CH" sz="1800" dirty="0" err="1"/>
+              <a:t>Haenni</a:t>
+            </a:r>
+            <a:r>
+              <a:rPr lang="de-CH" sz="1800" dirty="0"/>
+              <a:t>, Reto E. </a:t>
+            </a:r>
+            <a:r>
+              <a:rPr lang="de-CH" sz="1800" dirty="0" err="1"/>
+              <a:t>Koenig</a:t>
+            </a:r>
+            <a:r>
+              <a:rPr lang="de-CH" sz="1800" dirty="0"/>
+              <a:t>, Philipp Locher, Eric </a:t>
+            </a:r>
+            <a:r>
+              <a:rPr lang="de-CH" sz="1800" dirty="0" err="1"/>
+              <a:t>Dubuis</a:t>
+            </a:r>
+            <a:endParaRPr lang="de-CH" sz="1800" dirty="0"/>
           </a:p>
           <a:p>
             <a:pPr marL="285750" indent="-285750">
@@ -4977,42 +5110,7 @@
               <a:buChar char="-"/>
             </a:pPr>
             <a:r>
-              <a:rPr lang="de-CH" dirty="0" err="1"/>
-              <a:t>Authoren</a:t>
-            </a:r>
-            <a:r>
-              <a:rPr lang="de-CH" dirty="0"/>
-              <a:t>: Rolf </a:t>
-            </a:r>
-            <a:r>
-              <a:rPr lang="de-CH" dirty="0" err="1"/>
-              <a:t>Haenni</a:t>
-            </a:r>
-            <a:r>
-              <a:rPr lang="de-CH" dirty="0"/>
-              <a:t>, Reto E. </a:t>
-            </a:r>
-            <a:r>
-              <a:rPr lang="de-CH" dirty="0" err="1"/>
-              <a:t>Koenig</a:t>
-            </a:r>
-            <a:r>
-              <a:rPr lang="de-CH" dirty="0"/>
-              <a:t>, Philipp Locher, Eric </a:t>
-            </a:r>
-            <a:r>
-              <a:rPr lang="de-CH" dirty="0" err="1"/>
-              <a:t>Dubuis</a:t>
-            </a:r>
-            <a:endParaRPr lang="de-CH" dirty="0"/>
-          </a:p>
-          <a:p>
-            <a:pPr marL="285750" indent="-285750">
-              <a:buFontTx/>
-              <a:buChar char="-"/>
-            </a:pPr>
-            <a:r>
-              <a:rPr lang="de-CH" dirty="0"/>
+              <a:rPr lang="de-CH" sz="1800" dirty="0"/>
               <a:t>130 Seiten</a:t>
             </a:r>
           </a:p>
@@ -5092,7 +5190,7 @@
         </p:nvSpPr>
         <p:spPr>
           <a:xfrm>
-            <a:off x="467544" y="2276872"/>
+            <a:off x="107504" y="2276872"/>
             <a:ext cx="5616624" cy="3600400"/>
           </a:xfrm>
         </p:spPr>
@@ -5119,18 +5217,6 @@
               <a:buChar char="•"/>
             </a:pPr>
             <a:r>
-              <a:rPr lang="de-CH" sz="1800" dirty="0"/>
-              <a:t>k-out-</a:t>
-            </a:r>
-            <a:r>
-              <a:rPr lang="de-CH" sz="1800" dirty="0" err="1"/>
-              <a:t>of</a:t>
-            </a:r>
-            <a:r>
-              <a:rPr lang="de-CH" sz="1800" dirty="0"/>
-              <a:t>-n </a:t>
-            </a:r>
-            <a:r>
               <a:rPr lang="de-CH" sz="1800" dirty="0" err="1"/>
               <a:t>Oblivious</a:t>
             </a:r>
@@ -5262,8 +5348,15 @@
             </a:r>
             <a:r>
               <a:rPr lang="de-CH" sz="1800" dirty="0"/>
-              <a:t> Shuffle Proof</a:t>
-            </a:r>
+              <a:t> Shuffle Proof 	</a:t>
+            </a:r>
+            <a:r>
+              <a:rPr lang="de-CH" sz="1800" dirty="0">
+                <a:sym typeface="Wingdings" panose="05000000000000000000" pitchFamily="2" charset="2"/>
+              </a:rPr>
+              <a:t></a:t>
+            </a:r>
+            <a:endParaRPr lang="de-CH" sz="1800" dirty="0"/>
           </a:p>
           <a:p>
             <a:pPr marL="285750" indent="-285750">

--- a/docs/Presentation.pptx
+++ b/docs/Presentation.pptx
@@ -373,7 +373,7 @@
           <a:p>
             <a:fld id="{22D9CFA9-FAAC-43BF-87F9-CA26B79F9462}" type="datetimeFigureOut">
               <a:rPr lang="de-CH" smtClean="0"/>
-              <a:t>13.01.2018</a:t>
+              <a:t>17.01.2018</a:t>
             </a:fld>
             <a:endParaRPr lang="de-CH"/>
           </a:p>
@@ -719,7 +719,7 @@
           <a:p>
             <a:fld id="{18DCCD61-643D-44A5-A450-3A42A50CBC1E}" type="datetimeFigureOut">
               <a:rPr lang="en-US" smtClean="0"/>
-              <a:t>1/13/2018</a:t>
+              <a:t>1/17/2018</a:t>
             </a:fld>
             <a:endParaRPr lang="en-US"/>
           </a:p>
@@ -994,7 +994,7 @@
           <a:p>
             <a:fld id="{18DCCD61-643D-44A5-A450-3A42A50CBC1E}" type="datetimeFigureOut">
               <a:rPr lang="en-US" smtClean="0"/>
-              <a:t>1/13/2018</a:t>
+              <a:t>1/17/2018</a:t>
             </a:fld>
             <a:endParaRPr lang="en-US"/>
           </a:p>
@@ -1246,7 +1246,7 @@
           <a:p>
             <a:fld id="{18DCCD61-643D-44A5-A450-3A42A50CBC1E}" type="datetimeFigureOut">
               <a:rPr lang="en-US" smtClean="0"/>
-              <a:t>1/13/2018</a:t>
+              <a:t>1/17/2018</a:t>
             </a:fld>
             <a:endParaRPr lang="en-US"/>
           </a:p>
@@ -1414,7 +1414,7 @@
           <a:p>
             <a:fld id="{18DCCD61-643D-44A5-A450-3A42A50CBC1E}" type="datetimeFigureOut">
               <a:rPr lang="en-US" smtClean="0"/>
-              <a:t>1/13/2018</a:t>
+              <a:t>1/17/2018</a:t>
             </a:fld>
             <a:endParaRPr lang="en-US"/>
           </a:p>
@@ -1592,7 +1592,7 @@
           <a:p>
             <a:fld id="{18DCCD61-643D-44A5-A450-3A42A50CBC1E}" type="datetimeFigureOut">
               <a:rPr lang="en-US" smtClean="0"/>
-              <a:t>1/13/2018</a:t>
+              <a:t>1/17/2018</a:t>
             </a:fld>
             <a:endParaRPr lang="en-US"/>
           </a:p>
@@ -2208,7 +2208,7 @@
           <a:p>
             <a:fld id="{18DCCD61-643D-44A5-A450-3A42A50CBC1E}" type="datetimeFigureOut">
               <a:rPr lang="en-US" smtClean="0"/>
-              <a:t>1/13/2018</a:t>
+              <a:t>1/17/2018</a:t>
             </a:fld>
             <a:endParaRPr lang="en-US"/>
           </a:p>
@@ -2376,7 +2376,7 @@
           <a:p>
             <a:fld id="{18DCCD61-643D-44A5-A450-3A42A50CBC1E}" type="datetimeFigureOut">
               <a:rPr lang="en-US" smtClean="0"/>
-              <a:t>1/13/2018</a:t>
+              <a:t>1/17/2018</a:t>
             </a:fld>
             <a:endParaRPr lang="en-US"/>
           </a:p>
@@ -2621,7 +2621,7 @@
           <a:p>
             <a:fld id="{18DCCD61-643D-44A5-A450-3A42A50CBC1E}" type="datetimeFigureOut">
               <a:rPr lang="en-US" smtClean="0"/>
-              <a:t>1/13/2018</a:t>
+              <a:t>1/17/2018</a:t>
             </a:fld>
             <a:endParaRPr lang="en-US"/>
           </a:p>
@@ -2906,7 +2906,7 @@
           <a:p>
             <a:fld id="{18DCCD61-643D-44A5-A450-3A42A50CBC1E}" type="datetimeFigureOut">
               <a:rPr lang="en-US" smtClean="0"/>
-              <a:t>1/13/2018</a:t>
+              <a:t>1/17/2018</a:t>
             </a:fld>
             <a:endParaRPr lang="en-US"/>
           </a:p>
@@ -3325,7 +3325,7 @@
           <a:p>
             <a:fld id="{18DCCD61-643D-44A5-A450-3A42A50CBC1E}" type="datetimeFigureOut">
               <a:rPr lang="en-US" smtClean="0"/>
-              <a:t>1/13/2018</a:t>
+              <a:t>1/17/2018</a:t>
             </a:fld>
             <a:endParaRPr lang="en-US"/>
           </a:p>
@@ -3442,7 +3442,7 @@
           <a:p>
             <a:fld id="{18DCCD61-643D-44A5-A450-3A42A50CBC1E}" type="datetimeFigureOut">
               <a:rPr lang="en-US" smtClean="0"/>
-              <a:t>1/13/2018</a:t>
+              <a:t>1/17/2018</a:t>
             </a:fld>
             <a:endParaRPr lang="en-US"/>
           </a:p>
@@ -3944,7 +3944,7 @@
           <a:p>
             <a:fld id="{18DCCD61-643D-44A5-A450-3A42A50CBC1E}" type="datetimeFigureOut">
               <a:rPr lang="en-US" smtClean="0"/>
-              <a:t>1/13/2018</a:t>
+              <a:t>1/17/2018</a:t>
             </a:fld>
             <a:endParaRPr lang="en-US"/>
           </a:p>
@@ -4744,8 +4744,8 @@
         </p:nvSpPr>
         <p:spPr>
           <a:xfrm>
-            <a:off x="3757996" y="3941219"/>
-            <a:ext cx="1772024" cy="369332"/>
+            <a:off x="3347864" y="2564904"/>
+            <a:ext cx="2305952" cy="461665"/>
           </a:xfrm>
           <a:prstGeom prst="rect">
             <a:avLst/>
@@ -4758,10 +4758,10 @@
           <a:lstStyle/>
           <a:p>
             <a:r>
-              <a:rPr lang="de-CH" dirty="0"/>
+              <a:rPr lang="de-CH" sz="2400" dirty="0"/>
               <a:t>Wahlgeheimnis</a:t>
             </a:r>
-            <a:endParaRPr lang="de-CH" dirty="0">
+            <a:endParaRPr lang="de-CH" sz="2400" dirty="0">
               <a:solidFill>
                 <a:schemeClr val="tx1">
                   <a:lumMod val="75000"/>
@@ -4788,8 +4788,8 @@
         </p:nvSpPr>
         <p:spPr>
           <a:xfrm>
-            <a:off x="2699792" y="5157192"/>
-            <a:ext cx="1338828" cy="369332"/>
+            <a:off x="2483768" y="5239830"/>
+            <a:ext cx="1797287" cy="461665"/>
           </a:xfrm>
           <a:prstGeom prst="rect">
             <a:avLst/>
@@ -4802,19 +4802,9 @@
           <a:lstStyle/>
           <a:p>
             <a:r>
-              <a:rPr lang="de-CH" dirty="0">
-                <a:solidFill>
-                  <a:schemeClr val="tx1">
-                    <a:lumMod val="75000"/>
-                    <a:lumOff val="25000"/>
-                  </a:schemeClr>
-                </a:solidFill>
-                <a:latin typeface="Arial" pitchFamily="34" charset="0"/>
-                <a:cs typeface="Arial" pitchFamily="34" charset="0"/>
-              </a:rPr>
+              <a:rPr lang="de-CH" sz="2400" dirty="0"/>
               <a:t>Anonymität</a:t>
             </a:r>
-            <a:endParaRPr lang="de-CH" dirty="0"/>
           </a:p>
         </p:txBody>
       </p:sp>
@@ -4832,8 +4822,8 @@
         </p:nvSpPr>
         <p:spPr>
           <a:xfrm>
-            <a:off x="5717086" y="5257688"/>
-            <a:ext cx="1454244" cy="369332"/>
+            <a:off x="6444208" y="3385874"/>
+            <a:ext cx="1962397" cy="461665"/>
           </a:xfrm>
           <a:prstGeom prst="rect">
             <a:avLst/>
@@ -4846,19 +4836,9 @@
           <a:lstStyle/>
           <a:p>
             <a:r>
-              <a:rPr lang="de-CH" dirty="0">
-                <a:solidFill>
-                  <a:schemeClr val="tx1">
-                    <a:lumMod val="75000"/>
-                    <a:lumOff val="25000"/>
-                  </a:schemeClr>
-                </a:solidFill>
-                <a:latin typeface="Arial" pitchFamily="34" charset="0"/>
-                <a:cs typeface="Arial" pitchFamily="34" charset="0"/>
-              </a:rPr>
+              <a:rPr lang="de-CH" sz="2400" dirty="0"/>
               <a:t>Authentizität</a:t>
             </a:r>
-            <a:endParaRPr lang="de-CH" dirty="0"/>
           </a:p>
         </p:txBody>
       </p:sp>
@@ -4876,8 +4856,8 @@
         </p:nvSpPr>
         <p:spPr>
           <a:xfrm>
-            <a:off x="3203848" y="2577770"/>
-            <a:ext cx="2035557" cy="369332"/>
+            <a:off x="3346344" y="3772529"/>
+            <a:ext cx="2731197" cy="830997"/>
           </a:xfrm>
           <a:prstGeom prst="rect">
             <a:avLst/>
@@ -4890,19 +4870,15 @@
           <a:lstStyle/>
           <a:p>
             <a:r>
-              <a:rPr lang="de-CH" dirty="0">
-                <a:solidFill>
-                  <a:schemeClr val="tx1">
-                    <a:lumMod val="75000"/>
-                    <a:lumOff val="25000"/>
-                  </a:schemeClr>
-                </a:solidFill>
-                <a:latin typeface="Arial" pitchFamily="34" charset="0"/>
-                <a:cs typeface="Arial" pitchFamily="34" charset="0"/>
-              </a:rPr>
+              <a:rPr lang="de-CH" sz="2400" dirty="0"/>
+              <a:t>Prüfung der </a:t>
+            </a:r>
+          </a:p>
+          <a:p>
+            <a:r>
+              <a:rPr lang="de-CH" sz="2400" dirty="0"/>
               <a:t>Wahlberechtigung</a:t>
             </a:r>
-            <a:endParaRPr lang="de-CH" dirty="0"/>
           </a:p>
         </p:txBody>
       </p:sp>
@@ -4920,8 +4896,8 @@
         </p:nvSpPr>
         <p:spPr>
           <a:xfrm>
-            <a:off x="6084168" y="3121092"/>
-            <a:ext cx="1783052" cy="369332"/>
+            <a:off x="5940152" y="5424496"/>
+            <a:ext cx="2318455" cy="461665"/>
           </a:xfrm>
           <a:prstGeom prst="rect">
             <a:avLst/>
@@ -4934,7 +4910,7 @@
           <a:lstStyle/>
           <a:p>
             <a:r>
-              <a:rPr lang="de-CH" dirty="0"/>
+              <a:rPr lang="de-CH" sz="2400" dirty="0"/>
               <a:t>Verifizierbarkeit</a:t>
             </a:r>
           </a:p>
@@ -4954,8 +4930,8 @@
         </p:nvSpPr>
         <p:spPr>
           <a:xfrm>
-            <a:off x="1259632" y="3756553"/>
-            <a:ext cx="1082348" cy="369332"/>
+            <a:off x="1043608" y="3839191"/>
+            <a:ext cx="1456489" cy="461665"/>
           </a:xfrm>
           <a:prstGeom prst="rect">
             <a:avLst/>
@@ -4968,19 +4944,9 @@
           <a:lstStyle/>
           <a:p>
             <a:r>
-              <a:rPr lang="de-CH" dirty="0">
-                <a:solidFill>
-                  <a:schemeClr val="tx1">
-                    <a:lumMod val="75000"/>
-                    <a:lumOff val="25000"/>
-                  </a:schemeClr>
-                </a:solidFill>
-                <a:latin typeface="Arial" pitchFamily="34" charset="0"/>
-                <a:cs typeface="Arial" pitchFamily="34" charset="0"/>
-              </a:rPr>
+              <a:rPr lang="de-CH" sz="2400" dirty="0"/>
               <a:t>Integrität</a:t>
             </a:r>
-            <a:endParaRPr lang="de-CH" dirty="0"/>
           </a:p>
         </p:txBody>
       </p:sp>
@@ -5060,8 +5026,8 @@
               <a:buChar char="-"/>
             </a:pPr>
             <a:r>
-              <a:rPr lang="de-CH" sz="1800" dirty="0"/>
-              <a:t>Entwicklung eines neuen E-Voting Protokolls durch das </a:t>
+              <a:rPr lang="de-CH" sz="1800" b="1" dirty="0"/>
+              <a:t>Research </a:t>
             </a:r>
             <a:r>
               <a:rPr lang="en-US" sz="1800" b="1" dirty="0"/>
@@ -5069,9 +5035,29 @@
             </a:r>
             <a:r>
               <a:rPr lang="en-US" sz="1800" dirty="0"/>
-              <a:t> (RISIS) der BFH</a:t>
-            </a:r>
-            <a:endParaRPr lang="de-CH" sz="1800" dirty="0"/>
+              <a:t> (RISIS) der BFH </a:t>
+            </a:r>
+            <a:r>
+              <a:rPr lang="en-US" sz="1800" dirty="0" err="1"/>
+              <a:t>veröffentlicht</a:t>
+            </a:r>
+            <a:r>
+              <a:rPr lang="en-US" sz="1800" dirty="0"/>
+              <a:t> </a:t>
+            </a:r>
+            <a:r>
+              <a:rPr lang="en-US" sz="1800" dirty="0" err="1"/>
+              <a:t>neues</a:t>
+            </a:r>
+            <a:r>
+              <a:rPr lang="en-US" sz="1800" dirty="0"/>
+              <a:t> E-Voting </a:t>
+            </a:r>
+            <a:r>
+              <a:rPr lang="en-US" sz="1800" dirty="0" err="1"/>
+              <a:t>Protokoll</a:t>
+            </a:r>
+            <a:endParaRPr lang="en-US" sz="1800" dirty="0"/>
           </a:p>
           <a:p>
             <a:pPr marL="285750" indent="-285750">
@@ -5088,7 +5074,7 @@
             </a:r>
             <a:r>
               <a:rPr lang="de-CH" sz="1800" dirty="0"/>
-              <a:t>, Reto E. </a:t>
+              <a:t>, Reto </a:t>
             </a:r>
             <a:r>
               <a:rPr lang="de-CH" sz="1800" dirty="0" err="1"/>
@@ -5096,13 +5082,13 @@
             </a:r>
             <a:r>
               <a:rPr lang="de-CH" sz="1800" dirty="0"/>
-              <a:t>, Philipp Locher, Eric </a:t>
+              <a:t>, Philipp Locher and Eric </a:t>
             </a:r>
             <a:r>
               <a:rPr lang="de-CH" sz="1800" dirty="0" err="1"/>
               <a:t>Dubuis</a:t>
             </a:r>
-            <a:endParaRPr lang="de-CH" sz="1800" dirty="0"/>
+            <a:endParaRPr lang="en-US" sz="1800" dirty="0"/>
           </a:p>
           <a:p>
             <a:pPr marL="285750" indent="-285750">
@@ -5110,8 +5096,55 @@
               <a:buChar char="-"/>
             </a:pPr>
             <a:r>
+              <a:rPr lang="en-US" sz="1800" dirty="0" err="1"/>
+              <a:t>Wird</a:t>
+            </a:r>
+            <a:r>
+              <a:rPr lang="en-US" sz="1800" dirty="0"/>
+              <a:t> </a:t>
+            </a:r>
+            <a:r>
+              <a:rPr lang="en-US" sz="1800" dirty="0" err="1"/>
+              <a:t>zur</a:t>
+            </a:r>
+            <a:r>
+              <a:rPr lang="en-US" sz="1800" dirty="0"/>
+              <a:t> Zeit in </a:t>
+            </a:r>
+            <a:r>
+              <a:rPr lang="en-US" sz="1800" dirty="0" err="1"/>
+              <a:t>Genf</a:t>
+            </a:r>
+            <a:r>
+              <a:rPr lang="en-US" sz="1800" dirty="0"/>
+              <a:t> </a:t>
+            </a:r>
+            <a:r>
+              <a:rPr lang="en-US" sz="1800" dirty="0" err="1"/>
+              <a:t>implementiert</a:t>
+            </a:r>
+            <a:r>
+              <a:rPr lang="en-US" sz="1800" dirty="0"/>
+              <a:t> (“</a:t>
+            </a:r>
+            <a:r>
+              <a:rPr lang="en-US" sz="1800" dirty="0" err="1"/>
+              <a:t>CHVote</a:t>
+            </a:r>
+            <a:r>
+              <a:rPr lang="en-US" sz="1800" dirty="0"/>
+              <a:t>” System)</a:t>
+            </a:r>
+            <a:endParaRPr lang="de-CH" sz="1800" dirty="0"/>
+          </a:p>
+          <a:p>
+            <a:pPr marL="285750" indent="-285750">
+              <a:buFontTx/>
+              <a:buChar char="-"/>
+            </a:pPr>
+            <a:r>
               <a:rPr lang="de-CH" sz="1800" dirty="0"/>
-              <a:t>130 Seiten</a:t>
+              <a:t>Ca. 130 Seiten</a:t>
             </a:r>
           </a:p>
         </p:txBody>
@@ -5343,20 +5376,13 @@
               <a:buChar char="•"/>
             </a:pPr>
             <a:r>
-              <a:rPr lang="de-CH" sz="1800" dirty="0" err="1"/>
+              <a:rPr lang="de-CH" sz="1800" b="1" dirty="0" err="1"/>
               <a:t>Wikström’s</a:t>
             </a:r>
             <a:r>
-              <a:rPr lang="de-CH" sz="1800" dirty="0"/>
-              <a:t> Shuffle Proof 	</a:t>
-            </a:r>
-            <a:r>
-              <a:rPr lang="de-CH" sz="1800" dirty="0">
-                <a:sym typeface="Wingdings" panose="05000000000000000000" pitchFamily="2" charset="2"/>
-              </a:rPr>
-              <a:t></a:t>
-            </a:r>
-            <a:endParaRPr lang="de-CH" sz="1800" dirty="0"/>
+              <a:rPr lang="de-CH" sz="1800" b="1" dirty="0"/>
+              <a:t> Shuffle Proof </a:t>
+            </a:r>
           </a:p>
           <a:p>
             <a:pPr marL="285750" indent="-285750">
@@ -5493,7 +5519,7 @@
         <p:spPr>
           <a:xfrm>
             <a:off x="357647" y="2276872"/>
-            <a:ext cx="8640960" cy="3600400"/>
+            <a:ext cx="7939065" cy="3600400"/>
           </a:xfrm>
         </p:spPr>
         <p:txBody>
@@ -5501,23 +5527,61 @@
           <a:lstStyle/>
           <a:p>
             <a:r>
-              <a:rPr lang="de-CH" sz="2800" dirty="0"/>
-              <a:t>E-Voting ist schwierig zu verstehen und zu erklären</a:t>
-            </a:r>
-          </a:p>
-          <a:p>
-            <a:pPr marL="285750" indent="-285750">
-              <a:buFont typeface="Arial" panose="020B0604020202020204" pitchFamily="34" charset="0"/>
-              <a:buChar char="•"/>
-            </a:pPr>
+              <a:rPr lang="de-CH" sz="2400" b="1" dirty="0"/>
+              <a:t>Problem:</a:t>
+            </a:r>
+            <a:endParaRPr lang="de-CH" sz="2400" dirty="0"/>
+          </a:p>
+          <a:p>
+            <a:r>
+              <a:rPr lang="de-CH" sz="2400" dirty="0"/>
+              <a:t>E-Voting ist schwierig </a:t>
+            </a:r>
+            <a:r>
+              <a:rPr lang="de-CH" sz="2400"/>
+              <a:t>zu verstehen</a:t>
+            </a:r>
+            <a:endParaRPr lang="de-CH" sz="2400" dirty="0"/>
+          </a:p>
+          <a:p>
             <a:endParaRPr lang="de-CH" sz="1800" dirty="0"/>
           </a:p>
           <a:p>
-            <a:pPr marL="285750" indent="-285750">
-              <a:buFont typeface="Arial" panose="020B0604020202020204" pitchFamily="34" charset="0"/>
-              <a:buChar char="•"/>
-            </a:pPr>
             <a:endParaRPr lang="de-CH" sz="1800" dirty="0"/>
+          </a:p>
+          <a:p>
+            <a:r>
+              <a:rPr lang="de-CH" sz="2400" b="1" dirty="0"/>
+              <a:t>Ziel:</a:t>
+            </a:r>
+          </a:p>
+          <a:p>
+            <a:r>
+              <a:rPr lang="de-CH" sz="2400" dirty="0"/>
+              <a:t>Das Protokoll «</a:t>
+            </a:r>
+            <a:r>
+              <a:rPr lang="de-CH" sz="2400" dirty="0" err="1"/>
+              <a:t>CHVote</a:t>
+            </a:r>
+            <a:r>
+              <a:rPr lang="de-CH" sz="2400" dirty="0"/>
+              <a:t>» mittels einer interaktiven </a:t>
+            </a:r>
+          </a:p>
+          <a:p>
+            <a:r>
+              <a:rPr lang="de-CH" sz="2400" dirty="0"/>
+              <a:t>Applikation visualisieren</a:t>
+            </a:r>
+            <a:endParaRPr lang="de-CH" sz="2400" dirty="0">
+              <a:solidFill>
+                <a:schemeClr val="tx1"/>
+              </a:solidFill>
+            </a:endParaRPr>
+          </a:p>
+          <a:p>
+            <a:endParaRPr lang="de-CH" sz="2400" b="1" dirty="0"/>
           </a:p>
         </p:txBody>
       </p:sp>
@@ -5687,10 +5751,7 @@
             </a:lvl9pPr>
           </a:lstStyle>
           <a:p>
-            <a:r>
-              <a:rPr lang="de-CH" b="1" dirty="0"/>
-              <a:t>Daher unsere Aufgabenstellung:</a:t>
-            </a:r>
+            <a:endParaRPr lang="de-CH" sz="2400" b="1" dirty="0"/>
           </a:p>
         </p:txBody>
       </p:sp>
@@ -5860,84 +5921,8 @@
             </a:lvl9pPr>
           </a:lstStyle>
           <a:p>
-            <a:r>
-              <a:rPr lang="de-CH" sz="1800" dirty="0"/>
-              <a:t>Das Protokoll «</a:t>
-            </a:r>
-            <a:r>
-              <a:rPr lang="de-CH" sz="1800" dirty="0" err="1"/>
-              <a:t>CHVote</a:t>
-            </a:r>
-            <a:r>
-              <a:rPr lang="de-CH" sz="1800" dirty="0"/>
-              <a:t>» mittels einer interaktiven Applikation zu visualisieren</a:t>
-            </a:r>
-            <a:endParaRPr lang="de-CH" sz="1800" dirty="0">
-              <a:solidFill>
-                <a:schemeClr val="tx1"/>
-              </a:solidFill>
-              <a:latin typeface="+mn-lt"/>
-              <a:cs typeface="+mn-cs"/>
-            </a:endParaRPr>
-          </a:p>
-          <a:p>
-            <a:pPr marL="285750" indent="-285750">
-              <a:buFont typeface="Arial" pitchFamily="34" charset="0"/>
-              <a:buChar char="•"/>
-            </a:pPr>
-            <a:endParaRPr lang="de-CH" sz="1800" dirty="0">
-              <a:solidFill>
-                <a:schemeClr val="tx1"/>
-              </a:solidFill>
-              <a:latin typeface="+mn-lt"/>
-              <a:cs typeface="+mn-cs"/>
-            </a:endParaRPr>
-          </a:p>
-          <a:p>
-            <a:r>
-              <a:rPr lang="de-CH" sz="1800" dirty="0">
-                <a:solidFill>
-                  <a:schemeClr val="tx1">
-                    <a:lumMod val="75000"/>
-                    <a:lumOff val="25000"/>
-                  </a:schemeClr>
-                </a:solidFill>
-                <a:latin typeface="Arial" pitchFamily="34" charset="0"/>
-                <a:cs typeface="Arial" pitchFamily="34" charset="0"/>
-              </a:rPr>
-              <a:t>Real-time </a:t>
-            </a:r>
-            <a:r>
-              <a:rPr lang="de-CH" sz="1800" dirty="0" err="1">
-                <a:solidFill>
-                  <a:schemeClr val="tx1">
-                    <a:lumMod val="75000"/>
-                    <a:lumOff val="25000"/>
-                  </a:schemeClr>
-                </a:solidFill>
-                <a:latin typeface="Arial" pitchFamily="34" charset="0"/>
-                <a:cs typeface="Arial" pitchFamily="34" charset="0"/>
-              </a:rPr>
-              <a:t>updates</a:t>
-            </a:r>
-            <a:r>
-              <a:rPr lang="de-CH" sz="1800" dirty="0">
-                <a:solidFill>
-                  <a:schemeClr val="tx1">
-                    <a:lumMod val="75000"/>
-                    <a:lumOff val="25000"/>
-                  </a:schemeClr>
-                </a:solidFill>
-                <a:latin typeface="Arial" pitchFamily="34" charset="0"/>
-                <a:cs typeface="Arial" pitchFamily="34" charset="0"/>
-              </a:rPr>
-              <a:t>, separate View für jeden Akteur,  </a:t>
-            </a:r>
-          </a:p>
-          <a:p>
-            <a:pPr marL="1028700" lvl="1">
-              <a:buFont typeface="Arial" pitchFamily="34" charset="0"/>
-              <a:buChar char="•"/>
+            <a:pPr lvl="1" indent="0">
+              <a:buNone/>
             </a:pPr>
             <a:endParaRPr lang="de-CH" sz="3200" dirty="0"/>
           </a:p>

--- a/docs/Presentation.pptx
+++ b/docs/Presentation.pptx
@@ -4327,7 +4327,7 @@
         </p:nvSpPr>
         <p:spPr>
           <a:xfrm>
-            <a:off x="1160959" y="4725144"/>
+            <a:off x="1160959" y="4491002"/>
             <a:ext cx="6840760" cy="1631216"/>
           </a:xfrm>
           <a:prstGeom prst="rect">
@@ -4340,30 +4340,6 @@
             <a:spAutoFit/>
           </a:bodyPr>
           <a:lstStyle/>
-          <a:p>
-            <a:pPr fontAlgn="auto">
-              <a:spcBef>
-                <a:spcPts val="0"/>
-              </a:spcBef>
-              <a:spcAft>
-                <a:spcPts val="0"/>
-              </a:spcAft>
-              <a:defRPr/>
-            </a:pPr>
-            <a:r>
-              <a:rPr lang="en-US" altLang="ko-KR" sz="2000" dirty="0">
-                <a:solidFill>
-                  <a:schemeClr val="tx1">
-                    <a:lumMod val="75000"/>
-                    <a:lumOff val="25000"/>
-                  </a:schemeClr>
-                </a:solidFill>
-                <a:latin typeface="Segoe UI Semibold" panose="020B0702040204020203" pitchFamily="34" charset="0"/>
-                <a:cs typeface="Segoe UI Semibold" panose="020B0702040204020203" pitchFamily="34" charset="0"/>
-              </a:rPr>
-              <a:t>| B.Sc. Computer Science  -  Final day Presentation</a:t>
-            </a:r>
-          </a:p>
           <a:p>
             <a:pPr fontAlgn="auto">
               <a:spcBef>
@@ -4406,7 +4382,33 @@
                 <a:latin typeface="Segoe UI Light" panose="020B0502040204020203" pitchFamily="34" charset="0"/>
                 <a:cs typeface="Segoe UI Light" panose="020B0502040204020203" pitchFamily="34" charset="0"/>
               </a:rPr>
-              <a:t>Graduates: 	Yannick </a:t>
+              <a:t>Kevin </a:t>
+            </a:r>
+            <a:r>
+              <a:rPr lang="en-US" altLang="ko-KR" sz="2000" dirty="0" err="1">
+                <a:solidFill>
+                  <a:schemeClr val="tx1">
+                    <a:lumMod val="75000"/>
+                    <a:lumOff val="25000"/>
+                  </a:schemeClr>
+                </a:solidFill>
+                <a:latin typeface="Segoe UI Light" panose="020B0502040204020203" pitchFamily="34" charset="0"/>
+                <a:cs typeface="Segoe UI Light" panose="020B0502040204020203" pitchFamily="34" charset="0"/>
+              </a:rPr>
+              <a:t>Häni</a:t>
+            </a:r>
+            <a:r>
+              <a:rPr lang="en-US" altLang="ko-KR" sz="2000" dirty="0">
+                <a:solidFill>
+                  <a:schemeClr val="tx1">
+                    <a:lumMod val="75000"/>
+                    <a:lumOff val="25000"/>
+                  </a:schemeClr>
+                </a:solidFill>
+                <a:latin typeface="Segoe UI Light" panose="020B0502040204020203" pitchFamily="34" charset="0"/>
+                <a:cs typeface="Segoe UI Light" panose="020B0502040204020203" pitchFamily="34" charset="0"/>
+              </a:rPr>
+              <a:t>, Yannick </a:t>
             </a:r>
             <a:r>
               <a:rPr lang="en-US" altLang="ko-KR" sz="2000" dirty="0" err="1">
@@ -4421,32 +4423,6 @@
               </a:rPr>
               <a:t>Denzer</a:t>
             </a:r>
-            <a:r>
-              <a:rPr lang="en-US" altLang="ko-KR" sz="2000" dirty="0">
-                <a:solidFill>
-                  <a:schemeClr val="tx1">
-                    <a:lumMod val="75000"/>
-                    <a:lumOff val="25000"/>
-                  </a:schemeClr>
-                </a:solidFill>
-                <a:latin typeface="Segoe UI Light" panose="020B0502040204020203" pitchFamily="34" charset="0"/>
-                <a:cs typeface="Segoe UI Light" panose="020B0502040204020203" pitchFamily="34" charset="0"/>
-              </a:rPr>
-              <a:t>, Kevin </a:t>
-            </a:r>
-            <a:r>
-              <a:rPr lang="en-US" altLang="ko-KR" sz="2000" dirty="0" err="1">
-                <a:solidFill>
-                  <a:schemeClr val="tx1">
-                    <a:lumMod val="75000"/>
-                    <a:lumOff val="25000"/>
-                  </a:schemeClr>
-                </a:solidFill>
-                <a:latin typeface="Segoe UI Light" panose="020B0502040204020203" pitchFamily="34" charset="0"/>
-                <a:cs typeface="Segoe UI Light" panose="020B0502040204020203" pitchFamily="34" charset="0"/>
-              </a:rPr>
-              <a:t>Häni</a:t>
-            </a:r>
             <a:endParaRPr lang="en-US" altLang="ko-KR" sz="2000" dirty="0">
               <a:solidFill>
                 <a:schemeClr val="tx1">
@@ -4468,6 +4444,27 @@
               </a:spcAft>
               <a:defRPr/>
             </a:pPr>
+            <a:endParaRPr lang="en-US" altLang="ko-KR" sz="2000" dirty="0">
+              <a:solidFill>
+                <a:schemeClr val="tx1">
+                  <a:lumMod val="75000"/>
+                  <a:lumOff val="25000"/>
+                </a:schemeClr>
+              </a:solidFill>
+              <a:latin typeface="Segoe UI Light" panose="020B0502040204020203" pitchFamily="34" charset="0"/>
+              <a:cs typeface="Segoe UI Light" panose="020B0502040204020203" pitchFamily="34" charset="0"/>
+            </a:endParaRPr>
+          </a:p>
+          <a:p>
+            <a:pPr fontAlgn="auto">
+              <a:spcBef>
+                <a:spcPts val="0"/>
+              </a:spcBef>
+              <a:spcAft>
+                <a:spcPts val="0"/>
+              </a:spcAft>
+              <a:defRPr/>
+            </a:pPr>
             <a:r>
               <a:rPr kumimoji="0" lang="en-US" altLang="ko-KR" sz="2000" dirty="0">
                 <a:solidFill>
@@ -4479,7 +4476,7 @@
                 <a:latin typeface="Segoe UI Light" panose="020B0502040204020203" pitchFamily="34" charset="0"/>
                 <a:cs typeface="Segoe UI Light" panose="020B0502040204020203" pitchFamily="34" charset="0"/>
               </a:rPr>
-              <a:t>Supervisors:	Prof. Dr. Rolf </a:t>
+              <a:t>Advisors:	Prof. Dr. Rolf </a:t>
             </a:r>
             <a:r>
               <a:rPr kumimoji="0" lang="en-US" altLang="ko-KR" sz="2000" dirty="0" err="1">
@@ -5535,13 +5532,8 @@
           <a:p>
             <a:r>
               <a:rPr lang="de-CH" sz="2400" dirty="0"/>
-              <a:t>E-Voting ist schwierig </a:t>
-            </a:r>
-            <a:r>
-              <a:rPr lang="de-CH" sz="2400"/>
-              <a:t>zu verstehen</a:t>
-            </a:r>
-            <a:endParaRPr lang="de-CH" sz="2400" dirty="0"/>
+              <a:t>E-Voting ist schwierig zu verstehen</a:t>
+            </a:r>
           </a:p>
           <a:p>
             <a:endParaRPr lang="de-CH" sz="1800" dirty="0"/>
